--- a/test.pptx
+++ b/test.pptx
@@ -1,19 +1,21 @@
 
 <file path=ppt/presentation.xml><?xml version="1.0" encoding="utf-8"?>
-<p:presentation xmlns:a="http://schemas.openxmlformats.org/drawingml/2006/main" xmlns:r="http://schemas.openxmlformats.org/officeDocument/2006/relationships" xmlns:p="http://schemas.openxmlformats.org/presentationml/2006/main" saveSubsetFonts="1" autoCompressPictures="0">
+<p:presentation xmlns:a="http://schemas.openxmlformats.org/drawingml/2006/main" xmlns:r="http://schemas.openxmlformats.org/officeDocument/2006/relationships" xmlns:p="http://schemas.openxmlformats.org/presentationml/2006/main" saveSubsetFonts="1">
   <p:sldMasterIdLst>
     <p:sldMasterId id="2147483648" r:id="rId1"/>
   </p:sldMasterIdLst>
   <p:sldIdLst>
-    <p:sldId id="256" r:id="rId7"/>
+    <p:sldId id="256" r:id="rId2"/>
+    <p:sldId id="257" r:id="rId3"/>
+    <p:sldId id="258" r:id="rId4"/>
   </p:sldIdLst>
-  <p:sldSz cx="9144000" cy="6858000" type="screen4x3"/>
+  <p:sldSz cx="12192000" cy="6858000"/>
   <p:notesSz cx="6858000" cy="9144000"/>
   <p:defaultTextStyle>
     <a:defPPr>
       <a:defRPr lang="en-US"/>
     </a:defPPr>
-    <a:lvl1pPr marL="0" algn="l" defTabSz="457200" rtl="0" eaLnBrk="1" latinLnBrk="0" hangingPunct="1">
+    <a:lvl1pPr marL="0" algn="l" defTabSz="914400" rtl="0" eaLnBrk="1" latinLnBrk="0" hangingPunct="1">
       <a:defRPr sz="1800" kern="1200">
         <a:solidFill>
           <a:schemeClr val="tx1"/>
@@ -23,7 +25,7 @@
         <a:cs typeface="+mn-cs"/>
       </a:defRPr>
     </a:lvl1pPr>
-    <a:lvl2pPr marL="457200" algn="l" defTabSz="457200" rtl="0" eaLnBrk="1" latinLnBrk="0" hangingPunct="1">
+    <a:lvl2pPr marL="457200" algn="l" defTabSz="914400" rtl="0" eaLnBrk="1" latinLnBrk="0" hangingPunct="1">
       <a:defRPr sz="1800" kern="1200">
         <a:solidFill>
           <a:schemeClr val="tx1"/>
@@ -33,7 +35,7 @@
         <a:cs typeface="+mn-cs"/>
       </a:defRPr>
     </a:lvl2pPr>
-    <a:lvl3pPr marL="914400" algn="l" defTabSz="457200" rtl="0" eaLnBrk="1" latinLnBrk="0" hangingPunct="1">
+    <a:lvl3pPr marL="914400" algn="l" defTabSz="914400" rtl="0" eaLnBrk="1" latinLnBrk="0" hangingPunct="1">
       <a:defRPr sz="1800" kern="1200">
         <a:solidFill>
           <a:schemeClr val="tx1"/>
@@ -43,7 +45,7 @@
         <a:cs typeface="+mn-cs"/>
       </a:defRPr>
     </a:lvl3pPr>
-    <a:lvl4pPr marL="1371600" algn="l" defTabSz="457200" rtl="0" eaLnBrk="1" latinLnBrk="0" hangingPunct="1">
+    <a:lvl4pPr marL="1371600" algn="l" defTabSz="914400" rtl="0" eaLnBrk="1" latinLnBrk="0" hangingPunct="1">
       <a:defRPr sz="1800" kern="1200">
         <a:solidFill>
           <a:schemeClr val="tx1"/>
@@ -53,7 +55,7 @@
         <a:cs typeface="+mn-cs"/>
       </a:defRPr>
     </a:lvl4pPr>
-    <a:lvl5pPr marL="1828800" algn="l" defTabSz="457200" rtl="0" eaLnBrk="1" latinLnBrk="0" hangingPunct="1">
+    <a:lvl5pPr marL="1828800" algn="l" defTabSz="914400" rtl="0" eaLnBrk="1" latinLnBrk="0" hangingPunct="1">
       <a:defRPr sz="1800" kern="1200">
         <a:solidFill>
           <a:schemeClr val="tx1"/>
@@ -63,7 +65,7 @@
         <a:cs typeface="+mn-cs"/>
       </a:defRPr>
     </a:lvl5pPr>
-    <a:lvl6pPr marL="2286000" algn="l" defTabSz="457200" rtl="0" eaLnBrk="1" latinLnBrk="0" hangingPunct="1">
+    <a:lvl6pPr marL="2286000" algn="l" defTabSz="914400" rtl="0" eaLnBrk="1" latinLnBrk="0" hangingPunct="1">
       <a:defRPr sz="1800" kern="1200">
         <a:solidFill>
           <a:schemeClr val="tx1"/>
@@ -73,7 +75,7 @@
         <a:cs typeface="+mn-cs"/>
       </a:defRPr>
     </a:lvl6pPr>
-    <a:lvl7pPr marL="2743200" algn="l" defTabSz="457200" rtl="0" eaLnBrk="1" latinLnBrk="0" hangingPunct="1">
+    <a:lvl7pPr marL="2743200" algn="l" defTabSz="914400" rtl="0" eaLnBrk="1" latinLnBrk="0" hangingPunct="1">
       <a:defRPr sz="1800" kern="1200">
         <a:solidFill>
           <a:schemeClr val="tx1"/>
@@ -83,7 +85,7 @@
         <a:cs typeface="+mn-cs"/>
       </a:defRPr>
     </a:lvl7pPr>
-    <a:lvl8pPr marL="3200400" algn="l" defTabSz="457200" rtl="0" eaLnBrk="1" latinLnBrk="0" hangingPunct="1">
+    <a:lvl8pPr marL="3200400" algn="l" defTabSz="914400" rtl="0" eaLnBrk="1" latinLnBrk="0" hangingPunct="1">
       <a:defRPr sz="1800" kern="1200">
         <a:solidFill>
           <a:schemeClr val="tx1"/>
@@ -93,7 +95,7 @@
         <a:cs typeface="+mn-cs"/>
       </a:defRPr>
     </a:lvl8pPr>
-    <a:lvl9pPr marL="3657600" algn="l" defTabSz="457200" rtl="0" eaLnBrk="1" latinLnBrk="0" hangingPunct="1">
+    <a:lvl9pPr marL="3657600" algn="l" defTabSz="914400" rtl="0" eaLnBrk="1" latinLnBrk="0" hangingPunct="1">
       <a:defRPr sz="1800" kern="1200">
         <a:solidFill>
           <a:schemeClr val="tx1"/>
@@ -104,12 +106,17 @@
       </a:defRPr>
     </a:lvl9pPr>
   </p:defaultTextStyle>
+  <p:extLst>
+    <p:ext uri="{EFAFB233-063F-42B5-8137-9DF3F51BA10A}">
+      <p15:sldGuideLst xmlns:p15="http://schemas.microsoft.com/office/powerpoint/2012/main"/>
+    </p:ext>
+  </p:extLst>
 </p:presentation>
 </file>
 
 <file path=ppt/slideLayouts/slideLayout1.xml><?xml version="1.0" encoding="utf-8"?>
 <p:sldLayout xmlns:a="http://schemas.openxmlformats.org/drawingml/2006/main" xmlns:r="http://schemas.openxmlformats.org/officeDocument/2006/relationships" xmlns:p="http://schemas.openxmlformats.org/presentationml/2006/main" type="title" preserve="1">
-  <p:cSld name="Title Slide">
+  <p:cSld name="제목 슬라이드">
     <p:spTree>
       <p:nvGrpSpPr>
         <p:cNvPr id="1" name=""/>
@@ -126,7 +133,7 @@
       </p:grpSpPr>
       <p:sp>
         <p:nvSpPr>
-          <p:cNvPr id="2" name="Title 1"/>
+          <p:cNvPr id="2" name="제목 1"/>
           <p:cNvSpPr>
             <a:spLocks noGrp="1"/>
           </p:cNvSpPr>
@@ -136,25 +143,29 @@
         </p:nvSpPr>
         <p:spPr>
           <a:xfrm>
-            <a:off x="685800" y="2130425"/>
-            <a:ext cx="7772400" cy="1470025"/>
+            <a:off x="1524000" y="1122363"/>
+            <a:ext cx="9144000" cy="2387600"/>
           </a:xfrm>
         </p:spPr>
         <p:txBody>
-          <a:bodyPr/>
-          <a:lstStyle/>
-          <a:p>
-            <a:r>
-              <a:rPr lang="en-US" smtClean="0"/>
-              <a:t>Click to edit Master title style</a:t>
-            </a:r>
-            <a:endParaRPr lang="en-US"/>
-          </a:p>
-        </p:txBody>
-      </p:sp>
-      <p:sp>
-        <p:nvSpPr>
-          <p:cNvPr id="3" name="Subtitle 2"/>
+          <a:bodyPr anchor="b"/>
+          <a:lstStyle>
+            <a:lvl1pPr algn="ctr">
+              <a:defRPr sz="6000"/>
+            </a:lvl1pPr>
+          </a:lstStyle>
+          <a:p>
+            <a:r>
+              <a:rPr lang="ko-KR" altLang="en-US" smtClean="0"/>
+              <a:t>마스터 제목 스타일 편집</a:t>
+            </a:r>
+            <a:endParaRPr lang="en-US"/>
+          </a:p>
+        </p:txBody>
+      </p:sp>
+      <p:sp>
+        <p:nvSpPr>
+          <p:cNvPr id="3" name="부제목 2"/>
           <p:cNvSpPr>
             <a:spLocks noGrp="1"/>
           </p:cNvSpPr>
@@ -164,8 +175,8 @@
         </p:nvSpPr>
         <p:spPr>
           <a:xfrm>
-            <a:off x="1371600" y="3886200"/>
-            <a:ext cx="6400800" cy="1752600"/>
+            <a:off x="1524000" y="3602038"/>
+            <a:ext cx="9144000" cy="1655762"/>
           </a:xfrm>
         </p:spPr>
         <p:txBody>
@@ -173,122 +184,68 @@
           <a:lstStyle>
             <a:lvl1pPr marL="0" indent="0" algn="ctr">
               <a:buNone/>
-              <a:defRPr>
-                <a:solidFill>
-                  <a:schemeClr val="tx1">
-                    <a:tint val="75000"/>
-                  </a:schemeClr>
-                </a:solidFill>
-              </a:defRPr>
+              <a:defRPr sz="2400"/>
             </a:lvl1pPr>
             <a:lvl2pPr marL="457200" indent="0" algn="ctr">
               <a:buNone/>
-              <a:defRPr>
-                <a:solidFill>
-                  <a:schemeClr val="tx1">
-                    <a:tint val="75000"/>
-                  </a:schemeClr>
-                </a:solidFill>
-              </a:defRPr>
+              <a:defRPr sz="2000"/>
             </a:lvl2pPr>
             <a:lvl3pPr marL="914400" indent="0" algn="ctr">
               <a:buNone/>
-              <a:defRPr>
-                <a:solidFill>
-                  <a:schemeClr val="tx1">
-                    <a:tint val="75000"/>
-                  </a:schemeClr>
-                </a:solidFill>
-              </a:defRPr>
+              <a:defRPr sz="1800"/>
             </a:lvl3pPr>
             <a:lvl4pPr marL="1371600" indent="0" algn="ctr">
               <a:buNone/>
-              <a:defRPr>
-                <a:solidFill>
-                  <a:schemeClr val="tx1">
-                    <a:tint val="75000"/>
-                  </a:schemeClr>
-                </a:solidFill>
-              </a:defRPr>
+              <a:defRPr sz="1600"/>
             </a:lvl4pPr>
             <a:lvl5pPr marL="1828800" indent="0" algn="ctr">
               <a:buNone/>
-              <a:defRPr>
-                <a:solidFill>
-                  <a:schemeClr val="tx1">
-                    <a:tint val="75000"/>
-                  </a:schemeClr>
-                </a:solidFill>
-              </a:defRPr>
+              <a:defRPr sz="1600"/>
             </a:lvl5pPr>
             <a:lvl6pPr marL="2286000" indent="0" algn="ctr">
               <a:buNone/>
-              <a:defRPr>
-                <a:solidFill>
-                  <a:schemeClr val="tx1">
-                    <a:tint val="75000"/>
-                  </a:schemeClr>
-                </a:solidFill>
-              </a:defRPr>
+              <a:defRPr sz="1600"/>
             </a:lvl6pPr>
             <a:lvl7pPr marL="2743200" indent="0" algn="ctr">
               <a:buNone/>
-              <a:defRPr>
-                <a:solidFill>
-                  <a:schemeClr val="tx1">
-                    <a:tint val="75000"/>
-                  </a:schemeClr>
-                </a:solidFill>
-              </a:defRPr>
+              <a:defRPr sz="1600"/>
             </a:lvl7pPr>
             <a:lvl8pPr marL="3200400" indent="0" algn="ctr">
               <a:buNone/>
-              <a:defRPr>
-                <a:solidFill>
-                  <a:schemeClr val="tx1">
-                    <a:tint val="75000"/>
-                  </a:schemeClr>
-                </a:solidFill>
-              </a:defRPr>
+              <a:defRPr sz="1600"/>
             </a:lvl8pPr>
             <a:lvl9pPr marL="3657600" indent="0" algn="ctr">
               <a:buNone/>
-              <a:defRPr>
-                <a:solidFill>
-                  <a:schemeClr val="tx1">
-                    <a:tint val="75000"/>
-                  </a:schemeClr>
-                </a:solidFill>
-              </a:defRPr>
+              <a:defRPr sz="1600"/>
             </a:lvl9pPr>
           </a:lstStyle>
           <a:p>
             <a:r>
+              <a:rPr lang="ko-KR" altLang="en-US" smtClean="0"/>
+              <a:t>클릭하여 마스터 부제목 스타일 편집</a:t>
+            </a:r>
+            <a:endParaRPr lang="en-US"/>
+          </a:p>
+        </p:txBody>
+      </p:sp>
+      <p:sp>
+        <p:nvSpPr>
+          <p:cNvPr id="4" name="날짜 개체 틀 3"/>
+          <p:cNvSpPr>
+            <a:spLocks noGrp="1"/>
+          </p:cNvSpPr>
+          <p:nvPr>
+            <p:ph type="dt" sz="half" idx="10"/>
+          </p:nvPr>
+        </p:nvSpPr>
+        <p:spPr/>
+        <p:txBody>
+          <a:bodyPr/>
+          <a:lstStyle/>
+          <a:p>
+            <a:fld id="{EE7D626E-D2B9-4517-8FCA-2C1B85368B6A}" type="datetimeFigureOut">
               <a:rPr lang="en-US" smtClean="0"/>
-              <a:t>Click to edit Master subtitle style</a:t>
-            </a:r>
-            <a:endParaRPr lang="en-US"/>
-          </a:p>
-        </p:txBody>
-      </p:sp>
-      <p:sp>
-        <p:nvSpPr>
-          <p:cNvPr id="4" name="Date Placeholder 3"/>
-          <p:cNvSpPr>
-            <a:spLocks noGrp="1"/>
-          </p:cNvSpPr>
-          <p:nvPr>
-            <p:ph type="dt" sz="half" idx="10"/>
-          </p:nvPr>
-        </p:nvSpPr>
-        <p:spPr/>
-        <p:txBody>
-          <a:bodyPr/>
-          <a:lstStyle/>
-          <a:p>
-            <a:fld id="{5BCAD085-E8A6-8845-BD4E-CB4CCA059FC4}" type="datetimeFigureOut">
-              <a:rPr lang="en-US" smtClean="0"/>
-              <a:t>1/27/13</a:t>
+              <a:t>4/24/2018</a:t>
             </a:fld>
             <a:endParaRPr lang="en-US"/>
           </a:p>
@@ -296,7 +253,7 @@
       </p:sp>
       <p:sp>
         <p:nvSpPr>
-          <p:cNvPr id="5" name="Footer Placeholder 4"/>
+          <p:cNvPr id="5" name="바닥글 개체 틀 4"/>
           <p:cNvSpPr>
             <a:spLocks noGrp="1"/>
           </p:cNvSpPr>
@@ -315,7 +272,7 @@
       </p:sp>
       <p:sp>
         <p:nvSpPr>
-          <p:cNvPr id="6" name="Slide Number Placeholder 5"/>
+          <p:cNvPr id="6" name="슬라이드 번호 개체 틀 5"/>
           <p:cNvSpPr>
             <a:spLocks noGrp="1"/>
           </p:cNvSpPr>
@@ -328,7 +285,7 @@
           <a:bodyPr/>
           <a:lstStyle/>
           <a:p>
-            <a:fld id="{C1FF6DA9-008F-8B48-92A6-B652298478BF}" type="slidenum">
+            <a:fld id="{C2938A46-E69C-488D-9003-8C7D68FFF086}" type="slidenum">
               <a:rPr lang="en-US" smtClean="0"/>
               <a:t>‹#›</a:t>
             </a:fld>
@@ -339,7 +296,7 @@
     </p:spTree>
     <p:extLst>
       <p:ext uri="{BB962C8B-B14F-4D97-AF65-F5344CB8AC3E}">
-        <p14:creationId xmlns:p14="http://schemas.microsoft.com/office/powerpoint/2010/main" val="3168075583"/>
+        <p14:creationId xmlns:p14="http://schemas.microsoft.com/office/powerpoint/2010/main" val="1014647574"/>
       </p:ext>
     </p:extLst>
   </p:cSld>
@@ -351,7 +308,7 @@
 
 <file path=ppt/slideLayouts/slideLayout10.xml><?xml version="1.0" encoding="utf-8"?>
 <p:sldLayout xmlns:a="http://schemas.openxmlformats.org/drawingml/2006/main" xmlns:r="http://schemas.openxmlformats.org/officeDocument/2006/relationships" xmlns:p="http://schemas.openxmlformats.org/presentationml/2006/main" type="vertTx" preserve="1">
-  <p:cSld name="Title and Vertical Text">
+  <p:cSld name="제목 및 세로 텍스트">
     <p:spTree>
       <p:nvGrpSpPr>
         <p:cNvPr id="1" name=""/>
@@ -368,7 +325,7 @@
       </p:grpSpPr>
       <p:sp>
         <p:nvSpPr>
-          <p:cNvPr id="2" name="Title 1"/>
+          <p:cNvPr id="2" name="제목 1"/>
           <p:cNvSpPr>
             <a:spLocks noGrp="1"/>
           </p:cNvSpPr>
@@ -382,83 +339,83 @@
           <a:lstStyle/>
           <a:p>
             <a:r>
+              <a:rPr lang="ko-KR" altLang="en-US" smtClean="0"/>
+              <a:t>마스터 제목 스타일 편집</a:t>
+            </a:r>
+            <a:endParaRPr lang="en-US"/>
+          </a:p>
+        </p:txBody>
+      </p:sp>
+      <p:sp>
+        <p:nvSpPr>
+          <p:cNvPr id="3" name="세로 텍스트 개체 틀 2"/>
+          <p:cNvSpPr>
+            <a:spLocks noGrp="1"/>
+          </p:cNvSpPr>
+          <p:nvPr>
+            <p:ph type="body" orient="vert" idx="1"/>
+          </p:nvPr>
+        </p:nvSpPr>
+        <p:spPr/>
+        <p:txBody>
+          <a:bodyPr vert="eaVert"/>
+          <a:lstStyle/>
+          <a:p>
+            <a:pPr lvl="0"/>
+            <a:r>
+              <a:rPr lang="ko-KR" altLang="en-US" smtClean="0"/>
+              <a:t>마스터 텍스트 스타일 편집</a:t>
+            </a:r>
+          </a:p>
+          <a:p>
+            <a:pPr lvl="1"/>
+            <a:r>
+              <a:rPr lang="ko-KR" altLang="en-US" smtClean="0"/>
+              <a:t>둘째 수준</a:t>
+            </a:r>
+          </a:p>
+          <a:p>
+            <a:pPr lvl="2"/>
+            <a:r>
+              <a:rPr lang="ko-KR" altLang="en-US" smtClean="0"/>
+              <a:t>셋째 수준</a:t>
+            </a:r>
+          </a:p>
+          <a:p>
+            <a:pPr lvl="3"/>
+            <a:r>
+              <a:rPr lang="ko-KR" altLang="en-US" smtClean="0"/>
+              <a:t>넷째 수준</a:t>
+            </a:r>
+          </a:p>
+          <a:p>
+            <a:pPr lvl="4"/>
+            <a:r>
+              <a:rPr lang="ko-KR" altLang="en-US" smtClean="0"/>
+              <a:t>다섯째 수준</a:t>
+            </a:r>
+            <a:endParaRPr lang="en-US"/>
+          </a:p>
+        </p:txBody>
+      </p:sp>
+      <p:sp>
+        <p:nvSpPr>
+          <p:cNvPr id="4" name="날짜 개체 틀 3"/>
+          <p:cNvSpPr>
+            <a:spLocks noGrp="1"/>
+          </p:cNvSpPr>
+          <p:nvPr>
+            <p:ph type="dt" sz="half" idx="10"/>
+          </p:nvPr>
+        </p:nvSpPr>
+        <p:spPr/>
+        <p:txBody>
+          <a:bodyPr/>
+          <a:lstStyle/>
+          <a:p>
+            <a:fld id="{EE7D626E-D2B9-4517-8FCA-2C1B85368B6A}" type="datetimeFigureOut">
               <a:rPr lang="en-US" smtClean="0"/>
-              <a:t>Click to edit Master title style</a:t>
-            </a:r>
-            <a:endParaRPr lang="en-US"/>
-          </a:p>
-        </p:txBody>
-      </p:sp>
-      <p:sp>
-        <p:nvSpPr>
-          <p:cNvPr id="3" name="Vertical Text Placeholder 2"/>
-          <p:cNvSpPr>
-            <a:spLocks noGrp="1"/>
-          </p:cNvSpPr>
-          <p:nvPr>
-            <p:ph type="body" orient="vert" idx="1"/>
-          </p:nvPr>
-        </p:nvSpPr>
-        <p:spPr/>
-        <p:txBody>
-          <a:bodyPr vert="eaVert"/>
-          <a:lstStyle/>
-          <a:p>
-            <a:pPr lvl="0"/>
-            <a:r>
-              <a:rPr lang="en-US" smtClean="0"/>
-              <a:t>Click to edit Master text styles</a:t>
-            </a:r>
-          </a:p>
-          <a:p>
-            <a:pPr lvl="1"/>
-            <a:r>
-              <a:rPr lang="en-US" smtClean="0"/>
-              <a:t>Second level</a:t>
-            </a:r>
-          </a:p>
-          <a:p>
-            <a:pPr lvl="2"/>
-            <a:r>
-              <a:rPr lang="en-US" smtClean="0"/>
-              <a:t>Third level</a:t>
-            </a:r>
-          </a:p>
-          <a:p>
-            <a:pPr lvl="3"/>
-            <a:r>
-              <a:rPr lang="en-US" smtClean="0"/>
-              <a:t>Fourth level</a:t>
-            </a:r>
-          </a:p>
-          <a:p>
-            <a:pPr lvl="4"/>
-            <a:r>
-              <a:rPr lang="en-US" smtClean="0"/>
-              <a:t>Fifth level</a:t>
-            </a:r>
-            <a:endParaRPr lang="en-US"/>
-          </a:p>
-        </p:txBody>
-      </p:sp>
-      <p:sp>
-        <p:nvSpPr>
-          <p:cNvPr id="4" name="Date Placeholder 3"/>
-          <p:cNvSpPr>
-            <a:spLocks noGrp="1"/>
-          </p:cNvSpPr>
-          <p:nvPr>
-            <p:ph type="dt" sz="half" idx="10"/>
-          </p:nvPr>
-        </p:nvSpPr>
-        <p:spPr/>
-        <p:txBody>
-          <a:bodyPr/>
-          <a:lstStyle/>
-          <a:p>
-            <a:fld id="{5BCAD085-E8A6-8845-BD4E-CB4CCA059FC4}" type="datetimeFigureOut">
-              <a:rPr lang="en-US" smtClean="0"/>
-              <a:t>1/27/13</a:t>
+              <a:t>4/24/2018</a:t>
             </a:fld>
             <a:endParaRPr lang="en-US"/>
           </a:p>
@@ -466,7 +423,7 @@
       </p:sp>
       <p:sp>
         <p:nvSpPr>
-          <p:cNvPr id="5" name="Footer Placeholder 4"/>
+          <p:cNvPr id="5" name="바닥글 개체 틀 4"/>
           <p:cNvSpPr>
             <a:spLocks noGrp="1"/>
           </p:cNvSpPr>
@@ -485,7 +442,7 @@
       </p:sp>
       <p:sp>
         <p:nvSpPr>
-          <p:cNvPr id="6" name="Slide Number Placeholder 5"/>
+          <p:cNvPr id="6" name="슬라이드 번호 개체 틀 5"/>
           <p:cNvSpPr>
             <a:spLocks noGrp="1"/>
           </p:cNvSpPr>
@@ -498,7 +455,7 @@
           <a:bodyPr/>
           <a:lstStyle/>
           <a:p>
-            <a:fld id="{C1FF6DA9-008F-8B48-92A6-B652298478BF}" type="slidenum">
+            <a:fld id="{C2938A46-E69C-488D-9003-8C7D68FFF086}" type="slidenum">
               <a:rPr lang="en-US" smtClean="0"/>
               <a:t>‹#›</a:t>
             </a:fld>
@@ -509,7 +466,7 @@
     </p:spTree>
     <p:extLst>
       <p:ext uri="{BB962C8B-B14F-4D97-AF65-F5344CB8AC3E}">
-        <p14:creationId xmlns:p14="http://schemas.microsoft.com/office/powerpoint/2010/main" val="2910927964"/>
+        <p14:creationId xmlns:p14="http://schemas.microsoft.com/office/powerpoint/2010/main" val="3273932323"/>
       </p:ext>
     </p:extLst>
   </p:cSld>
@@ -521,7 +478,7 @@
 
 <file path=ppt/slideLayouts/slideLayout11.xml><?xml version="1.0" encoding="utf-8"?>
 <p:sldLayout xmlns:a="http://schemas.openxmlformats.org/drawingml/2006/main" xmlns:r="http://schemas.openxmlformats.org/officeDocument/2006/relationships" xmlns:p="http://schemas.openxmlformats.org/presentationml/2006/main" type="vertTitleAndTx" preserve="1">
-  <p:cSld name="Vertical Title and Text">
+  <p:cSld name="세로 제목 및 텍스트">
     <p:spTree>
       <p:nvGrpSpPr>
         <p:cNvPr id="1" name=""/>
@@ -538,7 +495,7 @@
       </p:grpSpPr>
       <p:sp>
         <p:nvSpPr>
-          <p:cNvPr id="2" name="Vertical Title 1"/>
+          <p:cNvPr id="2" name="세로 제목 1"/>
           <p:cNvSpPr>
             <a:spLocks noGrp="1"/>
           </p:cNvSpPr>
@@ -548,8 +505,8 @@
         </p:nvSpPr>
         <p:spPr>
           <a:xfrm>
-            <a:off x="6629400" y="274638"/>
-            <a:ext cx="2057400" cy="5851525"/>
+            <a:off x="8724900" y="365125"/>
+            <a:ext cx="2628900" cy="5811838"/>
           </a:xfrm>
         </p:spPr>
         <p:txBody>
@@ -557,16 +514,16 @@
           <a:lstStyle/>
           <a:p>
             <a:r>
-              <a:rPr lang="en-US" smtClean="0"/>
-              <a:t>Click to edit Master title style</a:t>
-            </a:r>
-            <a:endParaRPr lang="en-US"/>
-          </a:p>
-        </p:txBody>
-      </p:sp>
-      <p:sp>
-        <p:nvSpPr>
-          <p:cNvPr id="3" name="Vertical Text Placeholder 2"/>
+              <a:rPr lang="ko-KR" altLang="en-US" smtClean="0"/>
+              <a:t>마스터 제목 스타일 편집</a:t>
+            </a:r>
+            <a:endParaRPr lang="en-US"/>
+          </a:p>
+        </p:txBody>
+      </p:sp>
+      <p:sp>
+        <p:nvSpPr>
+          <p:cNvPr id="3" name="세로 텍스트 개체 틀 2"/>
           <p:cNvSpPr>
             <a:spLocks noGrp="1"/>
           </p:cNvSpPr>
@@ -576,8 +533,8 @@
         </p:nvSpPr>
         <p:spPr>
           <a:xfrm>
-            <a:off x="457200" y="274638"/>
-            <a:ext cx="6019800" cy="5851525"/>
+            <a:off x="838200" y="365125"/>
+            <a:ext cx="7734300" cy="5811838"/>
           </a:xfrm>
         </p:spPr>
         <p:txBody>
@@ -586,59 +543,59 @@
           <a:p>
             <a:pPr lvl="0"/>
             <a:r>
+              <a:rPr lang="ko-KR" altLang="en-US" smtClean="0"/>
+              <a:t>마스터 텍스트 스타일 편집</a:t>
+            </a:r>
+          </a:p>
+          <a:p>
+            <a:pPr lvl="1"/>
+            <a:r>
+              <a:rPr lang="ko-KR" altLang="en-US" smtClean="0"/>
+              <a:t>둘째 수준</a:t>
+            </a:r>
+          </a:p>
+          <a:p>
+            <a:pPr lvl="2"/>
+            <a:r>
+              <a:rPr lang="ko-KR" altLang="en-US" smtClean="0"/>
+              <a:t>셋째 수준</a:t>
+            </a:r>
+          </a:p>
+          <a:p>
+            <a:pPr lvl="3"/>
+            <a:r>
+              <a:rPr lang="ko-KR" altLang="en-US" smtClean="0"/>
+              <a:t>넷째 수준</a:t>
+            </a:r>
+          </a:p>
+          <a:p>
+            <a:pPr lvl="4"/>
+            <a:r>
+              <a:rPr lang="ko-KR" altLang="en-US" smtClean="0"/>
+              <a:t>다섯째 수준</a:t>
+            </a:r>
+            <a:endParaRPr lang="en-US"/>
+          </a:p>
+        </p:txBody>
+      </p:sp>
+      <p:sp>
+        <p:nvSpPr>
+          <p:cNvPr id="4" name="날짜 개체 틀 3"/>
+          <p:cNvSpPr>
+            <a:spLocks noGrp="1"/>
+          </p:cNvSpPr>
+          <p:nvPr>
+            <p:ph type="dt" sz="half" idx="10"/>
+          </p:nvPr>
+        </p:nvSpPr>
+        <p:spPr/>
+        <p:txBody>
+          <a:bodyPr/>
+          <a:lstStyle/>
+          <a:p>
+            <a:fld id="{EE7D626E-D2B9-4517-8FCA-2C1B85368B6A}" type="datetimeFigureOut">
               <a:rPr lang="en-US" smtClean="0"/>
-              <a:t>Click to edit Master text styles</a:t>
-            </a:r>
-          </a:p>
-          <a:p>
-            <a:pPr lvl="1"/>
-            <a:r>
-              <a:rPr lang="en-US" smtClean="0"/>
-              <a:t>Second level</a:t>
-            </a:r>
-          </a:p>
-          <a:p>
-            <a:pPr lvl="2"/>
-            <a:r>
-              <a:rPr lang="en-US" smtClean="0"/>
-              <a:t>Third level</a:t>
-            </a:r>
-          </a:p>
-          <a:p>
-            <a:pPr lvl="3"/>
-            <a:r>
-              <a:rPr lang="en-US" smtClean="0"/>
-              <a:t>Fourth level</a:t>
-            </a:r>
-          </a:p>
-          <a:p>
-            <a:pPr lvl="4"/>
-            <a:r>
-              <a:rPr lang="en-US" smtClean="0"/>
-              <a:t>Fifth level</a:t>
-            </a:r>
-            <a:endParaRPr lang="en-US"/>
-          </a:p>
-        </p:txBody>
-      </p:sp>
-      <p:sp>
-        <p:nvSpPr>
-          <p:cNvPr id="4" name="Date Placeholder 3"/>
-          <p:cNvSpPr>
-            <a:spLocks noGrp="1"/>
-          </p:cNvSpPr>
-          <p:nvPr>
-            <p:ph type="dt" sz="half" idx="10"/>
-          </p:nvPr>
-        </p:nvSpPr>
-        <p:spPr/>
-        <p:txBody>
-          <a:bodyPr/>
-          <a:lstStyle/>
-          <a:p>
-            <a:fld id="{5BCAD085-E8A6-8845-BD4E-CB4CCA059FC4}" type="datetimeFigureOut">
-              <a:rPr lang="en-US" smtClean="0"/>
-              <a:t>1/27/13</a:t>
+              <a:t>4/24/2018</a:t>
             </a:fld>
             <a:endParaRPr lang="en-US"/>
           </a:p>
@@ -646,7 +603,7 @@
       </p:sp>
       <p:sp>
         <p:nvSpPr>
-          <p:cNvPr id="5" name="Footer Placeholder 4"/>
+          <p:cNvPr id="5" name="바닥글 개체 틀 4"/>
           <p:cNvSpPr>
             <a:spLocks noGrp="1"/>
           </p:cNvSpPr>
@@ -665,7 +622,7 @@
       </p:sp>
       <p:sp>
         <p:nvSpPr>
-          <p:cNvPr id="6" name="Slide Number Placeholder 5"/>
+          <p:cNvPr id="6" name="슬라이드 번호 개체 틀 5"/>
           <p:cNvSpPr>
             <a:spLocks noGrp="1"/>
           </p:cNvSpPr>
@@ -678,7 +635,7 @@
           <a:bodyPr/>
           <a:lstStyle/>
           <a:p>
-            <a:fld id="{C1FF6DA9-008F-8B48-92A6-B652298478BF}" type="slidenum">
+            <a:fld id="{C2938A46-E69C-488D-9003-8C7D68FFF086}" type="slidenum">
               <a:rPr lang="en-US" smtClean="0"/>
               <a:t>‹#›</a:t>
             </a:fld>
@@ -689,7 +646,7 @@
     </p:spTree>
     <p:extLst>
       <p:ext uri="{BB962C8B-B14F-4D97-AF65-F5344CB8AC3E}">
-        <p14:creationId xmlns:p14="http://schemas.microsoft.com/office/powerpoint/2010/main" val="3612223792"/>
+        <p14:creationId xmlns:p14="http://schemas.microsoft.com/office/powerpoint/2010/main" val="2939587982"/>
       </p:ext>
     </p:extLst>
   </p:cSld>
@@ -701,7 +658,7 @@
 
 <file path=ppt/slideLayouts/slideLayout2.xml><?xml version="1.0" encoding="utf-8"?>
 <p:sldLayout xmlns:a="http://schemas.openxmlformats.org/drawingml/2006/main" xmlns:r="http://schemas.openxmlformats.org/officeDocument/2006/relationships" xmlns:p="http://schemas.openxmlformats.org/presentationml/2006/main" type="obj" preserve="1">
-  <p:cSld name="Title and Content">
+  <p:cSld name="제목 및 내용">
     <p:spTree>
       <p:nvGrpSpPr>
         <p:cNvPr id="1" name=""/>
@@ -718,7 +675,7 @@
       </p:grpSpPr>
       <p:sp>
         <p:nvSpPr>
-          <p:cNvPr id="2" name="Title 1"/>
+          <p:cNvPr id="2" name="제목 1"/>
           <p:cNvSpPr>
             <a:spLocks noGrp="1"/>
           </p:cNvSpPr>
@@ -732,83 +689,83 @@
           <a:lstStyle/>
           <a:p>
             <a:r>
+              <a:rPr lang="ko-KR" altLang="en-US" smtClean="0"/>
+              <a:t>마스터 제목 스타일 편집</a:t>
+            </a:r>
+            <a:endParaRPr lang="en-US"/>
+          </a:p>
+        </p:txBody>
+      </p:sp>
+      <p:sp>
+        <p:nvSpPr>
+          <p:cNvPr id="3" name="내용 개체 틀 2"/>
+          <p:cNvSpPr>
+            <a:spLocks noGrp="1"/>
+          </p:cNvSpPr>
+          <p:nvPr>
+            <p:ph idx="1"/>
+          </p:nvPr>
+        </p:nvSpPr>
+        <p:spPr/>
+        <p:txBody>
+          <a:bodyPr/>
+          <a:lstStyle/>
+          <a:p>
+            <a:pPr lvl="0"/>
+            <a:r>
+              <a:rPr lang="ko-KR" altLang="en-US" smtClean="0"/>
+              <a:t>마스터 텍스트 스타일 편집</a:t>
+            </a:r>
+          </a:p>
+          <a:p>
+            <a:pPr lvl="1"/>
+            <a:r>
+              <a:rPr lang="ko-KR" altLang="en-US" smtClean="0"/>
+              <a:t>둘째 수준</a:t>
+            </a:r>
+          </a:p>
+          <a:p>
+            <a:pPr lvl="2"/>
+            <a:r>
+              <a:rPr lang="ko-KR" altLang="en-US" smtClean="0"/>
+              <a:t>셋째 수준</a:t>
+            </a:r>
+          </a:p>
+          <a:p>
+            <a:pPr lvl="3"/>
+            <a:r>
+              <a:rPr lang="ko-KR" altLang="en-US" smtClean="0"/>
+              <a:t>넷째 수준</a:t>
+            </a:r>
+          </a:p>
+          <a:p>
+            <a:pPr lvl="4"/>
+            <a:r>
+              <a:rPr lang="ko-KR" altLang="en-US" smtClean="0"/>
+              <a:t>다섯째 수준</a:t>
+            </a:r>
+            <a:endParaRPr lang="en-US"/>
+          </a:p>
+        </p:txBody>
+      </p:sp>
+      <p:sp>
+        <p:nvSpPr>
+          <p:cNvPr id="4" name="날짜 개체 틀 3"/>
+          <p:cNvSpPr>
+            <a:spLocks noGrp="1"/>
+          </p:cNvSpPr>
+          <p:nvPr>
+            <p:ph type="dt" sz="half" idx="10"/>
+          </p:nvPr>
+        </p:nvSpPr>
+        <p:spPr/>
+        <p:txBody>
+          <a:bodyPr/>
+          <a:lstStyle/>
+          <a:p>
+            <a:fld id="{EE7D626E-D2B9-4517-8FCA-2C1B85368B6A}" type="datetimeFigureOut">
               <a:rPr lang="en-US" smtClean="0"/>
-              <a:t>Click to edit Master title style</a:t>
-            </a:r>
-            <a:endParaRPr lang="en-US"/>
-          </a:p>
-        </p:txBody>
-      </p:sp>
-      <p:sp>
-        <p:nvSpPr>
-          <p:cNvPr id="3" name="Content Placeholder 2"/>
-          <p:cNvSpPr>
-            <a:spLocks noGrp="1"/>
-          </p:cNvSpPr>
-          <p:nvPr>
-            <p:ph idx="1"/>
-          </p:nvPr>
-        </p:nvSpPr>
-        <p:spPr/>
-        <p:txBody>
-          <a:bodyPr/>
-          <a:lstStyle/>
-          <a:p>
-            <a:pPr lvl="0"/>
-            <a:r>
-              <a:rPr lang="en-US" smtClean="0"/>
-              <a:t>Click to edit Master text styles</a:t>
-            </a:r>
-          </a:p>
-          <a:p>
-            <a:pPr lvl="1"/>
-            <a:r>
-              <a:rPr lang="en-US" smtClean="0"/>
-              <a:t>Second level</a:t>
-            </a:r>
-          </a:p>
-          <a:p>
-            <a:pPr lvl="2"/>
-            <a:r>
-              <a:rPr lang="en-US" smtClean="0"/>
-              <a:t>Third level</a:t>
-            </a:r>
-          </a:p>
-          <a:p>
-            <a:pPr lvl="3"/>
-            <a:r>
-              <a:rPr lang="en-US" smtClean="0"/>
-              <a:t>Fourth level</a:t>
-            </a:r>
-          </a:p>
-          <a:p>
-            <a:pPr lvl="4"/>
-            <a:r>
-              <a:rPr lang="en-US" smtClean="0"/>
-              <a:t>Fifth level</a:t>
-            </a:r>
-            <a:endParaRPr lang="en-US"/>
-          </a:p>
-        </p:txBody>
-      </p:sp>
-      <p:sp>
-        <p:nvSpPr>
-          <p:cNvPr id="4" name="Date Placeholder 3"/>
-          <p:cNvSpPr>
-            <a:spLocks noGrp="1"/>
-          </p:cNvSpPr>
-          <p:nvPr>
-            <p:ph type="dt" sz="half" idx="10"/>
-          </p:nvPr>
-        </p:nvSpPr>
-        <p:spPr/>
-        <p:txBody>
-          <a:bodyPr/>
-          <a:lstStyle/>
-          <a:p>
-            <a:fld id="{5BCAD085-E8A6-8845-BD4E-CB4CCA059FC4}" type="datetimeFigureOut">
-              <a:rPr lang="en-US" smtClean="0"/>
-              <a:t>1/27/13</a:t>
+              <a:t>4/24/2018</a:t>
             </a:fld>
             <a:endParaRPr lang="en-US"/>
           </a:p>
@@ -816,7 +773,7 @@
       </p:sp>
       <p:sp>
         <p:nvSpPr>
-          <p:cNvPr id="5" name="Footer Placeholder 4"/>
+          <p:cNvPr id="5" name="바닥글 개체 틀 4"/>
           <p:cNvSpPr>
             <a:spLocks noGrp="1"/>
           </p:cNvSpPr>
@@ -835,7 +792,7 @@
       </p:sp>
       <p:sp>
         <p:nvSpPr>
-          <p:cNvPr id="6" name="Slide Number Placeholder 5"/>
+          <p:cNvPr id="6" name="슬라이드 번호 개체 틀 5"/>
           <p:cNvSpPr>
             <a:spLocks noGrp="1"/>
           </p:cNvSpPr>
@@ -848,7 +805,7 @@
           <a:bodyPr/>
           <a:lstStyle/>
           <a:p>
-            <a:fld id="{C1FF6DA9-008F-8B48-92A6-B652298478BF}" type="slidenum">
+            <a:fld id="{C2938A46-E69C-488D-9003-8C7D68FFF086}" type="slidenum">
               <a:rPr lang="en-US" smtClean="0"/>
               <a:t>‹#›</a:t>
             </a:fld>
@@ -859,7 +816,7 @@
     </p:spTree>
     <p:extLst>
       <p:ext uri="{BB962C8B-B14F-4D97-AF65-F5344CB8AC3E}">
-        <p14:creationId xmlns:p14="http://schemas.microsoft.com/office/powerpoint/2010/main" val="2614314258"/>
+        <p14:creationId xmlns:p14="http://schemas.microsoft.com/office/powerpoint/2010/main" val="510982002"/>
       </p:ext>
     </p:extLst>
   </p:cSld>
@@ -871,7 +828,7 @@
 
 <file path=ppt/slideLayouts/slideLayout3.xml><?xml version="1.0" encoding="utf-8"?>
 <p:sldLayout xmlns:a="http://schemas.openxmlformats.org/drawingml/2006/main" xmlns:r="http://schemas.openxmlformats.org/officeDocument/2006/relationships" xmlns:p="http://schemas.openxmlformats.org/presentationml/2006/main" type="secHead" preserve="1">
-  <p:cSld name="Section Header">
+  <p:cSld name="구역 머리글">
     <p:spTree>
       <p:nvGrpSpPr>
         <p:cNvPr id="1" name=""/>
@@ -888,7 +845,7 @@
       </p:grpSpPr>
       <p:sp>
         <p:nvSpPr>
-          <p:cNvPr id="2" name="Title 1"/>
+          <p:cNvPr id="2" name="제목 1"/>
           <p:cNvSpPr>
             <a:spLocks noGrp="1"/>
           </p:cNvSpPr>
@@ -898,29 +855,29 @@
         </p:nvSpPr>
         <p:spPr>
           <a:xfrm>
-            <a:off x="722313" y="4406900"/>
-            <a:ext cx="7772400" cy="1362075"/>
+            <a:off x="831850" y="1709738"/>
+            <a:ext cx="10515600" cy="2852737"/>
           </a:xfrm>
         </p:spPr>
         <p:txBody>
-          <a:bodyPr anchor="t"/>
+          <a:bodyPr anchor="b"/>
           <a:lstStyle>
-            <a:lvl1pPr algn="l">
-              <a:defRPr sz="4000" b="1" cap="all"/>
+            <a:lvl1pPr>
+              <a:defRPr sz="6000"/>
             </a:lvl1pPr>
           </a:lstStyle>
           <a:p>
             <a:r>
-              <a:rPr lang="en-US" smtClean="0"/>
-              <a:t>Click to edit Master title style</a:t>
-            </a:r>
-            <a:endParaRPr lang="en-US"/>
-          </a:p>
-        </p:txBody>
-      </p:sp>
-      <p:sp>
-        <p:nvSpPr>
-          <p:cNvPr id="3" name="Text Placeholder 2"/>
+              <a:rPr lang="ko-KR" altLang="en-US" smtClean="0"/>
+              <a:t>마스터 제목 스타일 편집</a:t>
+            </a:r>
+            <a:endParaRPr lang="en-US"/>
+          </a:p>
+        </p:txBody>
+      </p:sp>
+      <p:sp>
+        <p:nvSpPr>
+          <p:cNvPr id="3" name="텍스트 개체 틀 2"/>
           <p:cNvSpPr>
             <a:spLocks noGrp="1"/>
           </p:cNvSpPr>
@@ -930,16 +887,16 @@
         </p:nvSpPr>
         <p:spPr>
           <a:xfrm>
-            <a:off x="722313" y="2906713"/>
-            <a:ext cx="7772400" cy="1500187"/>
+            <a:off x="831850" y="4589463"/>
+            <a:ext cx="10515600" cy="1500187"/>
           </a:xfrm>
         </p:spPr>
         <p:txBody>
-          <a:bodyPr anchor="b"/>
+          <a:bodyPr/>
           <a:lstStyle>
             <a:lvl1pPr marL="0" indent="0">
               <a:buNone/>
-              <a:defRPr sz="2000">
+              <a:defRPr sz="2400">
                 <a:solidFill>
                   <a:schemeClr val="tx1">
                     <a:tint val="75000"/>
@@ -949,7 +906,7 @@
             </a:lvl1pPr>
             <a:lvl2pPr marL="457200" indent="0">
               <a:buNone/>
-              <a:defRPr sz="1800">
+              <a:defRPr sz="2000">
                 <a:solidFill>
                   <a:schemeClr val="tx1">
                     <a:tint val="75000"/>
@@ -959,7 +916,7 @@
             </a:lvl2pPr>
             <a:lvl3pPr marL="914400" indent="0">
               <a:buNone/>
-              <a:defRPr sz="1600">
+              <a:defRPr sz="1800">
                 <a:solidFill>
                   <a:schemeClr val="tx1">
                     <a:tint val="75000"/>
@@ -969,7 +926,7 @@
             </a:lvl3pPr>
             <a:lvl4pPr marL="1371600" indent="0">
               <a:buNone/>
-              <a:defRPr sz="1400">
+              <a:defRPr sz="1600">
                 <a:solidFill>
                   <a:schemeClr val="tx1">
                     <a:tint val="75000"/>
@@ -979,7 +936,7 @@
             </a:lvl4pPr>
             <a:lvl5pPr marL="1828800" indent="0">
               <a:buNone/>
-              <a:defRPr sz="1400">
+              <a:defRPr sz="1600">
                 <a:solidFill>
                   <a:schemeClr val="tx1">
                     <a:tint val="75000"/>
@@ -989,7 +946,7 @@
             </a:lvl5pPr>
             <a:lvl6pPr marL="2286000" indent="0">
               <a:buNone/>
-              <a:defRPr sz="1400">
+              <a:defRPr sz="1600">
                 <a:solidFill>
                   <a:schemeClr val="tx1">
                     <a:tint val="75000"/>
@@ -999,7 +956,7 @@
             </a:lvl6pPr>
             <a:lvl7pPr marL="2743200" indent="0">
               <a:buNone/>
-              <a:defRPr sz="1400">
+              <a:defRPr sz="1600">
                 <a:solidFill>
                   <a:schemeClr val="tx1">
                     <a:tint val="75000"/>
@@ -1009,7 +966,7 @@
             </a:lvl7pPr>
             <a:lvl8pPr marL="3200400" indent="0">
               <a:buNone/>
-              <a:defRPr sz="1400">
+              <a:defRPr sz="1600">
                 <a:solidFill>
                   <a:schemeClr val="tx1">
                     <a:tint val="75000"/>
@@ -1019,7 +976,7 @@
             </a:lvl8pPr>
             <a:lvl9pPr marL="3657600" indent="0">
               <a:buNone/>
-              <a:defRPr sz="1400">
+              <a:defRPr sz="1600">
                 <a:solidFill>
                   <a:schemeClr val="tx1">
                     <a:tint val="75000"/>
@@ -1031,30 +988,30 @@
           <a:p>
             <a:pPr lvl="0"/>
             <a:r>
+              <a:rPr lang="ko-KR" altLang="en-US" smtClean="0"/>
+              <a:t>마스터 텍스트 스타일 편집</a:t>
+            </a:r>
+          </a:p>
+        </p:txBody>
+      </p:sp>
+      <p:sp>
+        <p:nvSpPr>
+          <p:cNvPr id="4" name="날짜 개체 틀 3"/>
+          <p:cNvSpPr>
+            <a:spLocks noGrp="1"/>
+          </p:cNvSpPr>
+          <p:nvPr>
+            <p:ph type="dt" sz="half" idx="10"/>
+          </p:nvPr>
+        </p:nvSpPr>
+        <p:spPr/>
+        <p:txBody>
+          <a:bodyPr/>
+          <a:lstStyle/>
+          <a:p>
+            <a:fld id="{EE7D626E-D2B9-4517-8FCA-2C1B85368B6A}" type="datetimeFigureOut">
               <a:rPr lang="en-US" smtClean="0"/>
-              <a:t>Click to edit Master text styles</a:t>
-            </a:r>
-          </a:p>
-        </p:txBody>
-      </p:sp>
-      <p:sp>
-        <p:nvSpPr>
-          <p:cNvPr id="4" name="Date Placeholder 3"/>
-          <p:cNvSpPr>
-            <a:spLocks noGrp="1"/>
-          </p:cNvSpPr>
-          <p:nvPr>
-            <p:ph type="dt" sz="half" idx="10"/>
-          </p:nvPr>
-        </p:nvSpPr>
-        <p:spPr/>
-        <p:txBody>
-          <a:bodyPr/>
-          <a:lstStyle/>
-          <a:p>
-            <a:fld id="{5BCAD085-E8A6-8845-BD4E-CB4CCA059FC4}" type="datetimeFigureOut">
-              <a:rPr lang="en-US" smtClean="0"/>
-              <a:t>1/27/13</a:t>
+              <a:t>4/24/2018</a:t>
             </a:fld>
             <a:endParaRPr lang="en-US"/>
           </a:p>
@@ -1062,7 +1019,7 @@
       </p:sp>
       <p:sp>
         <p:nvSpPr>
-          <p:cNvPr id="5" name="Footer Placeholder 4"/>
+          <p:cNvPr id="5" name="바닥글 개체 틀 4"/>
           <p:cNvSpPr>
             <a:spLocks noGrp="1"/>
           </p:cNvSpPr>
@@ -1081,7 +1038,7 @@
       </p:sp>
       <p:sp>
         <p:nvSpPr>
-          <p:cNvPr id="6" name="Slide Number Placeholder 5"/>
+          <p:cNvPr id="6" name="슬라이드 번호 개체 틀 5"/>
           <p:cNvSpPr>
             <a:spLocks noGrp="1"/>
           </p:cNvSpPr>
@@ -1094,7 +1051,7 @@
           <a:bodyPr/>
           <a:lstStyle/>
           <a:p>
-            <a:fld id="{C1FF6DA9-008F-8B48-92A6-B652298478BF}" type="slidenum">
+            <a:fld id="{C2938A46-E69C-488D-9003-8C7D68FFF086}" type="slidenum">
               <a:rPr lang="en-US" smtClean="0"/>
               <a:t>‹#›</a:t>
             </a:fld>
@@ -1105,7 +1062,7 @@
     </p:spTree>
     <p:extLst>
       <p:ext uri="{BB962C8B-B14F-4D97-AF65-F5344CB8AC3E}">
-        <p14:creationId xmlns:p14="http://schemas.microsoft.com/office/powerpoint/2010/main" val="960648375"/>
+        <p14:creationId xmlns:p14="http://schemas.microsoft.com/office/powerpoint/2010/main" val="2341697606"/>
       </p:ext>
     </p:extLst>
   </p:cSld>
@@ -1117,7 +1074,7 @@
 
 <file path=ppt/slideLayouts/slideLayout4.xml><?xml version="1.0" encoding="utf-8"?>
 <p:sldLayout xmlns:a="http://schemas.openxmlformats.org/drawingml/2006/main" xmlns:r="http://schemas.openxmlformats.org/officeDocument/2006/relationships" xmlns:p="http://schemas.openxmlformats.org/presentationml/2006/main" type="twoObj" preserve="1">
-  <p:cSld name="Two Content">
+  <p:cSld name="콘텐츠 2개">
     <p:spTree>
       <p:nvGrpSpPr>
         <p:cNvPr id="1" name=""/>
@@ -1134,7 +1091,7 @@
       </p:grpSpPr>
       <p:sp>
         <p:nvSpPr>
-          <p:cNvPr id="2" name="Title 1"/>
+          <p:cNvPr id="2" name="제목 1"/>
           <p:cNvSpPr>
             <a:spLocks noGrp="1"/>
           </p:cNvSpPr>
@@ -1148,16 +1105,16 @@
           <a:lstStyle/>
           <a:p>
             <a:r>
-              <a:rPr lang="en-US" smtClean="0"/>
-              <a:t>Click to edit Master title style</a:t>
-            </a:r>
-            <a:endParaRPr lang="en-US"/>
-          </a:p>
-        </p:txBody>
-      </p:sp>
-      <p:sp>
-        <p:nvSpPr>
-          <p:cNvPr id="3" name="Content Placeholder 2"/>
+              <a:rPr lang="ko-KR" altLang="en-US" smtClean="0"/>
+              <a:t>마스터 제목 스타일 편집</a:t>
+            </a:r>
+            <a:endParaRPr lang="en-US"/>
+          </a:p>
+        </p:txBody>
+      </p:sp>
+      <p:sp>
+        <p:nvSpPr>
+          <p:cNvPr id="3" name="내용 개체 틀 2"/>
           <p:cNvSpPr>
             <a:spLocks noGrp="1"/>
           </p:cNvSpPr>
@@ -1167,82 +1124,54 @@
         </p:nvSpPr>
         <p:spPr>
           <a:xfrm>
-            <a:off x="457200" y="1600200"/>
-            <a:ext cx="4038600" cy="4525963"/>
+            <a:off x="838200" y="1825625"/>
+            <a:ext cx="5181600" cy="4351338"/>
           </a:xfrm>
         </p:spPr>
         <p:txBody>
           <a:bodyPr/>
-          <a:lstStyle>
-            <a:lvl1pPr>
-              <a:defRPr sz="2800"/>
-            </a:lvl1pPr>
-            <a:lvl2pPr>
-              <a:defRPr sz="2400"/>
-            </a:lvl2pPr>
-            <a:lvl3pPr>
-              <a:defRPr sz="2000"/>
-            </a:lvl3pPr>
-            <a:lvl4pPr>
-              <a:defRPr sz="1800"/>
-            </a:lvl4pPr>
-            <a:lvl5pPr>
-              <a:defRPr sz="1800"/>
-            </a:lvl5pPr>
-            <a:lvl6pPr>
-              <a:defRPr sz="1800"/>
-            </a:lvl6pPr>
-            <a:lvl7pPr>
-              <a:defRPr sz="1800"/>
-            </a:lvl7pPr>
-            <a:lvl8pPr>
-              <a:defRPr sz="1800"/>
-            </a:lvl8pPr>
-            <a:lvl9pPr>
-              <a:defRPr sz="1800"/>
-            </a:lvl9pPr>
-          </a:lstStyle>
+          <a:lstStyle/>
           <a:p>
             <a:pPr lvl="0"/>
             <a:r>
-              <a:rPr lang="en-US" smtClean="0"/>
-              <a:t>Click to edit Master text styles</a:t>
+              <a:rPr lang="ko-KR" altLang="en-US" smtClean="0"/>
+              <a:t>마스터 텍스트 스타일 편집</a:t>
             </a:r>
           </a:p>
           <a:p>
             <a:pPr lvl="1"/>
             <a:r>
-              <a:rPr lang="en-US" smtClean="0"/>
-              <a:t>Second level</a:t>
+              <a:rPr lang="ko-KR" altLang="en-US" smtClean="0"/>
+              <a:t>둘째 수준</a:t>
             </a:r>
           </a:p>
           <a:p>
             <a:pPr lvl="2"/>
             <a:r>
-              <a:rPr lang="en-US" smtClean="0"/>
-              <a:t>Third level</a:t>
+              <a:rPr lang="ko-KR" altLang="en-US" smtClean="0"/>
+              <a:t>셋째 수준</a:t>
             </a:r>
           </a:p>
           <a:p>
             <a:pPr lvl="3"/>
             <a:r>
-              <a:rPr lang="en-US" smtClean="0"/>
-              <a:t>Fourth level</a:t>
+              <a:rPr lang="ko-KR" altLang="en-US" smtClean="0"/>
+              <a:t>넷째 수준</a:t>
             </a:r>
           </a:p>
           <a:p>
             <a:pPr lvl="4"/>
             <a:r>
-              <a:rPr lang="en-US" smtClean="0"/>
-              <a:t>Fifth level</a:t>
-            </a:r>
-            <a:endParaRPr lang="en-US"/>
-          </a:p>
-        </p:txBody>
-      </p:sp>
-      <p:sp>
-        <p:nvSpPr>
-          <p:cNvPr id="4" name="Content Placeholder 3"/>
+              <a:rPr lang="ko-KR" altLang="en-US" smtClean="0"/>
+              <a:t>다섯째 수준</a:t>
+            </a:r>
+            <a:endParaRPr lang="en-US"/>
+          </a:p>
+        </p:txBody>
+      </p:sp>
+      <p:sp>
+        <p:nvSpPr>
+          <p:cNvPr id="4" name="내용 개체 틀 3"/>
           <p:cNvSpPr>
             <a:spLocks noGrp="1"/>
           </p:cNvSpPr>
@@ -1252,97 +1181,69 @@
         </p:nvSpPr>
         <p:spPr>
           <a:xfrm>
-            <a:off x="4648200" y="1600200"/>
-            <a:ext cx="4038600" cy="4525963"/>
+            <a:off x="6172200" y="1825625"/>
+            <a:ext cx="5181600" cy="4351338"/>
           </a:xfrm>
         </p:spPr>
         <p:txBody>
           <a:bodyPr/>
-          <a:lstStyle>
-            <a:lvl1pPr>
-              <a:defRPr sz="2800"/>
-            </a:lvl1pPr>
-            <a:lvl2pPr>
-              <a:defRPr sz="2400"/>
-            </a:lvl2pPr>
-            <a:lvl3pPr>
-              <a:defRPr sz="2000"/>
-            </a:lvl3pPr>
-            <a:lvl4pPr>
-              <a:defRPr sz="1800"/>
-            </a:lvl4pPr>
-            <a:lvl5pPr>
-              <a:defRPr sz="1800"/>
-            </a:lvl5pPr>
-            <a:lvl6pPr>
-              <a:defRPr sz="1800"/>
-            </a:lvl6pPr>
-            <a:lvl7pPr>
-              <a:defRPr sz="1800"/>
-            </a:lvl7pPr>
-            <a:lvl8pPr>
-              <a:defRPr sz="1800"/>
-            </a:lvl8pPr>
-            <a:lvl9pPr>
-              <a:defRPr sz="1800"/>
-            </a:lvl9pPr>
-          </a:lstStyle>
+          <a:lstStyle/>
           <a:p>
             <a:pPr lvl="0"/>
             <a:r>
+              <a:rPr lang="ko-KR" altLang="en-US" smtClean="0"/>
+              <a:t>마스터 텍스트 스타일 편집</a:t>
+            </a:r>
+          </a:p>
+          <a:p>
+            <a:pPr lvl="1"/>
+            <a:r>
+              <a:rPr lang="ko-KR" altLang="en-US" smtClean="0"/>
+              <a:t>둘째 수준</a:t>
+            </a:r>
+          </a:p>
+          <a:p>
+            <a:pPr lvl="2"/>
+            <a:r>
+              <a:rPr lang="ko-KR" altLang="en-US" smtClean="0"/>
+              <a:t>셋째 수준</a:t>
+            </a:r>
+          </a:p>
+          <a:p>
+            <a:pPr lvl="3"/>
+            <a:r>
+              <a:rPr lang="ko-KR" altLang="en-US" smtClean="0"/>
+              <a:t>넷째 수준</a:t>
+            </a:r>
+          </a:p>
+          <a:p>
+            <a:pPr lvl="4"/>
+            <a:r>
+              <a:rPr lang="ko-KR" altLang="en-US" smtClean="0"/>
+              <a:t>다섯째 수준</a:t>
+            </a:r>
+            <a:endParaRPr lang="en-US"/>
+          </a:p>
+        </p:txBody>
+      </p:sp>
+      <p:sp>
+        <p:nvSpPr>
+          <p:cNvPr id="5" name="날짜 개체 틀 4"/>
+          <p:cNvSpPr>
+            <a:spLocks noGrp="1"/>
+          </p:cNvSpPr>
+          <p:nvPr>
+            <p:ph type="dt" sz="half" idx="10"/>
+          </p:nvPr>
+        </p:nvSpPr>
+        <p:spPr/>
+        <p:txBody>
+          <a:bodyPr/>
+          <a:lstStyle/>
+          <a:p>
+            <a:fld id="{EE7D626E-D2B9-4517-8FCA-2C1B85368B6A}" type="datetimeFigureOut">
               <a:rPr lang="en-US" smtClean="0"/>
-              <a:t>Click to edit Master text styles</a:t>
-            </a:r>
-          </a:p>
-          <a:p>
-            <a:pPr lvl="1"/>
-            <a:r>
-              <a:rPr lang="en-US" smtClean="0"/>
-              <a:t>Second level</a:t>
-            </a:r>
-          </a:p>
-          <a:p>
-            <a:pPr lvl="2"/>
-            <a:r>
-              <a:rPr lang="en-US" smtClean="0"/>
-              <a:t>Third level</a:t>
-            </a:r>
-          </a:p>
-          <a:p>
-            <a:pPr lvl="3"/>
-            <a:r>
-              <a:rPr lang="en-US" smtClean="0"/>
-              <a:t>Fourth level</a:t>
-            </a:r>
-          </a:p>
-          <a:p>
-            <a:pPr lvl="4"/>
-            <a:r>
-              <a:rPr lang="en-US" smtClean="0"/>
-              <a:t>Fifth level</a:t>
-            </a:r>
-            <a:endParaRPr lang="en-US"/>
-          </a:p>
-        </p:txBody>
-      </p:sp>
-      <p:sp>
-        <p:nvSpPr>
-          <p:cNvPr id="5" name="Date Placeholder 4"/>
-          <p:cNvSpPr>
-            <a:spLocks noGrp="1"/>
-          </p:cNvSpPr>
-          <p:nvPr>
-            <p:ph type="dt" sz="half" idx="10"/>
-          </p:nvPr>
-        </p:nvSpPr>
-        <p:spPr/>
-        <p:txBody>
-          <a:bodyPr/>
-          <a:lstStyle/>
-          <a:p>
-            <a:fld id="{5BCAD085-E8A6-8845-BD4E-CB4CCA059FC4}" type="datetimeFigureOut">
-              <a:rPr lang="en-US" smtClean="0"/>
-              <a:t>1/27/13</a:t>
+              <a:t>4/24/2018</a:t>
             </a:fld>
             <a:endParaRPr lang="en-US"/>
           </a:p>
@@ -1350,7 +1251,7 @@
       </p:sp>
       <p:sp>
         <p:nvSpPr>
-          <p:cNvPr id="6" name="Footer Placeholder 5"/>
+          <p:cNvPr id="6" name="바닥글 개체 틀 5"/>
           <p:cNvSpPr>
             <a:spLocks noGrp="1"/>
           </p:cNvSpPr>
@@ -1369,7 +1270,7 @@
       </p:sp>
       <p:sp>
         <p:nvSpPr>
-          <p:cNvPr id="7" name="Slide Number Placeholder 6"/>
+          <p:cNvPr id="7" name="슬라이드 번호 개체 틀 6"/>
           <p:cNvSpPr>
             <a:spLocks noGrp="1"/>
           </p:cNvSpPr>
@@ -1382,7 +1283,7 @@
           <a:bodyPr/>
           <a:lstStyle/>
           <a:p>
-            <a:fld id="{C1FF6DA9-008F-8B48-92A6-B652298478BF}" type="slidenum">
+            <a:fld id="{C2938A46-E69C-488D-9003-8C7D68FFF086}" type="slidenum">
               <a:rPr lang="en-US" smtClean="0"/>
               <a:t>‹#›</a:t>
             </a:fld>
@@ -1393,7 +1294,7 @@
     </p:spTree>
     <p:extLst>
       <p:ext uri="{BB962C8B-B14F-4D97-AF65-F5344CB8AC3E}">
-        <p14:creationId xmlns:p14="http://schemas.microsoft.com/office/powerpoint/2010/main" val="2782244947"/>
+        <p14:creationId xmlns:p14="http://schemas.microsoft.com/office/powerpoint/2010/main" val="3264986046"/>
       </p:ext>
     </p:extLst>
   </p:cSld>
@@ -1405,7 +1306,7 @@
 
 <file path=ppt/slideLayouts/slideLayout5.xml><?xml version="1.0" encoding="utf-8"?>
 <p:sldLayout xmlns:a="http://schemas.openxmlformats.org/drawingml/2006/main" xmlns:r="http://schemas.openxmlformats.org/officeDocument/2006/relationships" xmlns:p="http://schemas.openxmlformats.org/presentationml/2006/main" type="twoTxTwoObj" preserve="1">
-  <p:cSld name="Comparison">
+  <p:cSld name="비교">
     <p:spTree>
       <p:nvGrpSpPr>
         <p:cNvPr id="1" name=""/>
@@ -1422,45 +1323,46 @@
       </p:grpSpPr>
       <p:sp>
         <p:nvSpPr>
-          <p:cNvPr id="2" name="Title 1"/>
+          <p:cNvPr id="2" name="제목 1"/>
           <p:cNvSpPr>
             <a:spLocks noGrp="1"/>
           </p:cNvSpPr>
           <p:nvPr>
             <p:ph type="title"/>
-          </p:nvPr>
-        </p:nvSpPr>
-        <p:spPr/>
-        <p:txBody>
-          <a:bodyPr/>
-          <a:lstStyle>
-            <a:lvl1pPr>
-              <a:defRPr/>
-            </a:lvl1pPr>
-          </a:lstStyle>
-          <a:p>
-            <a:r>
-              <a:rPr lang="en-US" smtClean="0"/>
-              <a:t>Click to edit Master title style</a:t>
-            </a:r>
-            <a:endParaRPr lang="en-US"/>
-          </a:p>
-        </p:txBody>
-      </p:sp>
-      <p:sp>
-        <p:nvSpPr>
-          <p:cNvPr id="3" name="Text Placeholder 2"/>
-          <p:cNvSpPr>
-            <a:spLocks noGrp="1"/>
-          </p:cNvSpPr>
-          <p:nvPr>
-            <p:ph type="body" idx="1"/>
           </p:nvPr>
         </p:nvSpPr>
         <p:spPr>
           <a:xfrm>
-            <a:off x="457200" y="1535113"/>
-            <a:ext cx="4040188" cy="639762"/>
+            <a:off x="839788" y="365125"/>
+            <a:ext cx="10515600" cy="1325563"/>
+          </a:xfrm>
+        </p:spPr>
+        <p:txBody>
+          <a:bodyPr/>
+          <a:lstStyle/>
+          <a:p>
+            <a:r>
+              <a:rPr lang="ko-KR" altLang="en-US" smtClean="0"/>
+              <a:t>마스터 제목 스타일 편집</a:t>
+            </a:r>
+            <a:endParaRPr lang="en-US"/>
+          </a:p>
+        </p:txBody>
+      </p:sp>
+      <p:sp>
+        <p:nvSpPr>
+          <p:cNvPr id="3" name="텍스트 개체 틀 2"/>
+          <p:cNvSpPr>
+            <a:spLocks noGrp="1"/>
+          </p:cNvSpPr>
+          <p:nvPr>
+            <p:ph type="body" idx="1"/>
+          </p:nvPr>
+        </p:nvSpPr>
+        <p:spPr>
+          <a:xfrm>
+            <a:off x="839788" y="1681163"/>
+            <a:ext cx="5157787" cy="823912"/>
           </a:xfrm>
         </p:spPr>
         <p:txBody>
@@ -1506,15 +1408,15 @@
           <a:p>
             <a:pPr lvl="0"/>
             <a:r>
-              <a:rPr lang="en-US" smtClean="0"/>
-              <a:t>Click to edit Master text styles</a:t>
-            </a:r>
-          </a:p>
-        </p:txBody>
-      </p:sp>
-      <p:sp>
-        <p:nvSpPr>
-          <p:cNvPr id="4" name="Content Placeholder 3"/>
+              <a:rPr lang="ko-KR" altLang="en-US" smtClean="0"/>
+              <a:t>마스터 텍스트 스타일 편집</a:t>
+            </a:r>
+          </a:p>
+        </p:txBody>
+      </p:sp>
+      <p:sp>
+        <p:nvSpPr>
+          <p:cNvPr id="4" name="내용 개체 틀 3"/>
           <p:cNvSpPr>
             <a:spLocks noGrp="1"/>
           </p:cNvSpPr>
@@ -1524,82 +1426,54 @@
         </p:nvSpPr>
         <p:spPr>
           <a:xfrm>
-            <a:off x="457200" y="2174875"/>
-            <a:ext cx="4040188" cy="3951288"/>
+            <a:off x="839788" y="2505075"/>
+            <a:ext cx="5157787" cy="3684588"/>
           </a:xfrm>
         </p:spPr>
         <p:txBody>
           <a:bodyPr/>
-          <a:lstStyle>
-            <a:lvl1pPr>
-              <a:defRPr sz="2400"/>
-            </a:lvl1pPr>
-            <a:lvl2pPr>
-              <a:defRPr sz="2000"/>
-            </a:lvl2pPr>
-            <a:lvl3pPr>
-              <a:defRPr sz="1800"/>
-            </a:lvl3pPr>
-            <a:lvl4pPr>
-              <a:defRPr sz="1600"/>
-            </a:lvl4pPr>
-            <a:lvl5pPr>
-              <a:defRPr sz="1600"/>
-            </a:lvl5pPr>
-            <a:lvl6pPr>
-              <a:defRPr sz="1600"/>
-            </a:lvl6pPr>
-            <a:lvl7pPr>
-              <a:defRPr sz="1600"/>
-            </a:lvl7pPr>
-            <a:lvl8pPr>
-              <a:defRPr sz="1600"/>
-            </a:lvl8pPr>
-            <a:lvl9pPr>
-              <a:defRPr sz="1600"/>
-            </a:lvl9pPr>
-          </a:lstStyle>
+          <a:lstStyle/>
           <a:p>
             <a:pPr lvl="0"/>
             <a:r>
-              <a:rPr lang="en-US" smtClean="0"/>
-              <a:t>Click to edit Master text styles</a:t>
+              <a:rPr lang="ko-KR" altLang="en-US" smtClean="0"/>
+              <a:t>마스터 텍스트 스타일 편집</a:t>
             </a:r>
           </a:p>
           <a:p>
             <a:pPr lvl="1"/>
             <a:r>
-              <a:rPr lang="en-US" smtClean="0"/>
-              <a:t>Second level</a:t>
+              <a:rPr lang="ko-KR" altLang="en-US" smtClean="0"/>
+              <a:t>둘째 수준</a:t>
             </a:r>
           </a:p>
           <a:p>
             <a:pPr lvl="2"/>
             <a:r>
-              <a:rPr lang="en-US" smtClean="0"/>
-              <a:t>Third level</a:t>
+              <a:rPr lang="ko-KR" altLang="en-US" smtClean="0"/>
+              <a:t>셋째 수준</a:t>
             </a:r>
           </a:p>
           <a:p>
             <a:pPr lvl="3"/>
             <a:r>
-              <a:rPr lang="en-US" smtClean="0"/>
-              <a:t>Fourth level</a:t>
+              <a:rPr lang="ko-KR" altLang="en-US" smtClean="0"/>
+              <a:t>넷째 수준</a:t>
             </a:r>
           </a:p>
           <a:p>
             <a:pPr lvl="4"/>
             <a:r>
-              <a:rPr lang="en-US" smtClean="0"/>
-              <a:t>Fifth level</a:t>
-            </a:r>
-            <a:endParaRPr lang="en-US"/>
-          </a:p>
-        </p:txBody>
-      </p:sp>
-      <p:sp>
-        <p:nvSpPr>
-          <p:cNvPr id="5" name="Text Placeholder 4"/>
+              <a:rPr lang="ko-KR" altLang="en-US" smtClean="0"/>
+              <a:t>다섯째 수준</a:t>
+            </a:r>
+            <a:endParaRPr lang="en-US"/>
+          </a:p>
+        </p:txBody>
+      </p:sp>
+      <p:sp>
+        <p:nvSpPr>
+          <p:cNvPr id="5" name="텍스트 개체 틀 4"/>
           <p:cNvSpPr>
             <a:spLocks noGrp="1"/>
           </p:cNvSpPr>
@@ -1609,8 +1483,8 @@
         </p:nvSpPr>
         <p:spPr>
           <a:xfrm>
-            <a:off x="4645025" y="1535113"/>
-            <a:ext cx="4041775" cy="639762"/>
+            <a:off x="6172200" y="1681163"/>
+            <a:ext cx="5183188" cy="823912"/>
           </a:xfrm>
         </p:spPr>
         <p:txBody>
@@ -1656,15 +1530,15 @@
           <a:p>
             <a:pPr lvl="0"/>
             <a:r>
-              <a:rPr lang="en-US" smtClean="0"/>
-              <a:t>Click to edit Master text styles</a:t>
-            </a:r>
-          </a:p>
-        </p:txBody>
-      </p:sp>
-      <p:sp>
-        <p:nvSpPr>
-          <p:cNvPr id="6" name="Content Placeholder 5"/>
+              <a:rPr lang="ko-KR" altLang="en-US" smtClean="0"/>
+              <a:t>마스터 텍스트 스타일 편집</a:t>
+            </a:r>
+          </a:p>
+        </p:txBody>
+      </p:sp>
+      <p:sp>
+        <p:nvSpPr>
+          <p:cNvPr id="6" name="내용 개체 틀 5"/>
           <p:cNvSpPr>
             <a:spLocks noGrp="1"/>
           </p:cNvSpPr>
@@ -1674,97 +1548,69 @@
         </p:nvSpPr>
         <p:spPr>
           <a:xfrm>
-            <a:off x="4645025" y="2174875"/>
-            <a:ext cx="4041775" cy="3951288"/>
+            <a:off x="6172200" y="2505075"/>
+            <a:ext cx="5183188" cy="3684588"/>
           </a:xfrm>
         </p:spPr>
         <p:txBody>
           <a:bodyPr/>
-          <a:lstStyle>
-            <a:lvl1pPr>
-              <a:defRPr sz="2400"/>
-            </a:lvl1pPr>
-            <a:lvl2pPr>
-              <a:defRPr sz="2000"/>
-            </a:lvl2pPr>
-            <a:lvl3pPr>
-              <a:defRPr sz="1800"/>
-            </a:lvl3pPr>
-            <a:lvl4pPr>
-              <a:defRPr sz="1600"/>
-            </a:lvl4pPr>
-            <a:lvl5pPr>
-              <a:defRPr sz="1600"/>
-            </a:lvl5pPr>
-            <a:lvl6pPr>
-              <a:defRPr sz="1600"/>
-            </a:lvl6pPr>
-            <a:lvl7pPr>
-              <a:defRPr sz="1600"/>
-            </a:lvl7pPr>
-            <a:lvl8pPr>
-              <a:defRPr sz="1600"/>
-            </a:lvl8pPr>
-            <a:lvl9pPr>
-              <a:defRPr sz="1600"/>
-            </a:lvl9pPr>
-          </a:lstStyle>
+          <a:lstStyle/>
           <a:p>
             <a:pPr lvl="0"/>
             <a:r>
+              <a:rPr lang="ko-KR" altLang="en-US" smtClean="0"/>
+              <a:t>마스터 텍스트 스타일 편집</a:t>
+            </a:r>
+          </a:p>
+          <a:p>
+            <a:pPr lvl="1"/>
+            <a:r>
+              <a:rPr lang="ko-KR" altLang="en-US" smtClean="0"/>
+              <a:t>둘째 수준</a:t>
+            </a:r>
+          </a:p>
+          <a:p>
+            <a:pPr lvl="2"/>
+            <a:r>
+              <a:rPr lang="ko-KR" altLang="en-US" smtClean="0"/>
+              <a:t>셋째 수준</a:t>
+            </a:r>
+          </a:p>
+          <a:p>
+            <a:pPr lvl="3"/>
+            <a:r>
+              <a:rPr lang="ko-KR" altLang="en-US" smtClean="0"/>
+              <a:t>넷째 수준</a:t>
+            </a:r>
+          </a:p>
+          <a:p>
+            <a:pPr lvl="4"/>
+            <a:r>
+              <a:rPr lang="ko-KR" altLang="en-US" smtClean="0"/>
+              <a:t>다섯째 수준</a:t>
+            </a:r>
+            <a:endParaRPr lang="en-US"/>
+          </a:p>
+        </p:txBody>
+      </p:sp>
+      <p:sp>
+        <p:nvSpPr>
+          <p:cNvPr id="7" name="날짜 개체 틀 6"/>
+          <p:cNvSpPr>
+            <a:spLocks noGrp="1"/>
+          </p:cNvSpPr>
+          <p:nvPr>
+            <p:ph type="dt" sz="half" idx="10"/>
+          </p:nvPr>
+        </p:nvSpPr>
+        <p:spPr/>
+        <p:txBody>
+          <a:bodyPr/>
+          <a:lstStyle/>
+          <a:p>
+            <a:fld id="{EE7D626E-D2B9-4517-8FCA-2C1B85368B6A}" type="datetimeFigureOut">
               <a:rPr lang="en-US" smtClean="0"/>
-              <a:t>Click to edit Master text styles</a:t>
-            </a:r>
-          </a:p>
-          <a:p>
-            <a:pPr lvl="1"/>
-            <a:r>
-              <a:rPr lang="en-US" smtClean="0"/>
-              <a:t>Second level</a:t>
-            </a:r>
-          </a:p>
-          <a:p>
-            <a:pPr lvl="2"/>
-            <a:r>
-              <a:rPr lang="en-US" smtClean="0"/>
-              <a:t>Third level</a:t>
-            </a:r>
-          </a:p>
-          <a:p>
-            <a:pPr lvl="3"/>
-            <a:r>
-              <a:rPr lang="en-US" smtClean="0"/>
-              <a:t>Fourth level</a:t>
-            </a:r>
-          </a:p>
-          <a:p>
-            <a:pPr lvl="4"/>
-            <a:r>
-              <a:rPr lang="en-US" smtClean="0"/>
-              <a:t>Fifth level</a:t>
-            </a:r>
-            <a:endParaRPr lang="en-US"/>
-          </a:p>
-        </p:txBody>
-      </p:sp>
-      <p:sp>
-        <p:nvSpPr>
-          <p:cNvPr id="7" name="Date Placeholder 6"/>
-          <p:cNvSpPr>
-            <a:spLocks noGrp="1"/>
-          </p:cNvSpPr>
-          <p:nvPr>
-            <p:ph type="dt" sz="half" idx="10"/>
-          </p:nvPr>
-        </p:nvSpPr>
-        <p:spPr/>
-        <p:txBody>
-          <a:bodyPr/>
-          <a:lstStyle/>
-          <a:p>
-            <a:fld id="{5BCAD085-E8A6-8845-BD4E-CB4CCA059FC4}" type="datetimeFigureOut">
-              <a:rPr lang="en-US" smtClean="0"/>
-              <a:t>1/27/13</a:t>
+              <a:t>4/24/2018</a:t>
             </a:fld>
             <a:endParaRPr lang="en-US"/>
           </a:p>
@@ -1772,7 +1618,7 @@
       </p:sp>
       <p:sp>
         <p:nvSpPr>
-          <p:cNvPr id="8" name="Footer Placeholder 7"/>
+          <p:cNvPr id="8" name="바닥글 개체 틀 7"/>
           <p:cNvSpPr>
             <a:spLocks noGrp="1"/>
           </p:cNvSpPr>
@@ -1791,7 +1637,7 @@
       </p:sp>
       <p:sp>
         <p:nvSpPr>
-          <p:cNvPr id="9" name="Slide Number Placeholder 8"/>
+          <p:cNvPr id="9" name="슬라이드 번호 개체 틀 8"/>
           <p:cNvSpPr>
             <a:spLocks noGrp="1"/>
           </p:cNvSpPr>
@@ -1804,7 +1650,7 @@
           <a:bodyPr/>
           <a:lstStyle/>
           <a:p>
-            <a:fld id="{C1FF6DA9-008F-8B48-92A6-B652298478BF}" type="slidenum">
+            <a:fld id="{C2938A46-E69C-488D-9003-8C7D68FFF086}" type="slidenum">
               <a:rPr lang="en-US" smtClean="0"/>
               <a:t>‹#›</a:t>
             </a:fld>
@@ -1815,7 +1661,7 @@
     </p:spTree>
     <p:extLst>
       <p:ext uri="{BB962C8B-B14F-4D97-AF65-F5344CB8AC3E}">
-        <p14:creationId xmlns:p14="http://schemas.microsoft.com/office/powerpoint/2010/main" val="990158736"/>
+        <p14:creationId xmlns:p14="http://schemas.microsoft.com/office/powerpoint/2010/main" val="42888561"/>
       </p:ext>
     </p:extLst>
   </p:cSld>
@@ -1827,7 +1673,7 @@
 
 <file path=ppt/slideLayouts/slideLayout6.xml><?xml version="1.0" encoding="utf-8"?>
 <p:sldLayout xmlns:a="http://schemas.openxmlformats.org/drawingml/2006/main" xmlns:r="http://schemas.openxmlformats.org/officeDocument/2006/relationships" xmlns:p="http://schemas.openxmlformats.org/presentationml/2006/main" type="titleOnly" preserve="1">
-  <p:cSld name="Title Only">
+  <p:cSld name="제목만">
     <p:spTree>
       <p:nvGrpSpPr>
         <p:cNvPr id="1" name=""/>
@@ -1844,7 +1690,7 @@
       </p:grpSpPr>
       <p:sp>
         <p:nvSpPr>
-          <p:cNvPr id="2" name="Title 1"/>
+          <p:cNvPr id="2" name="제목 1"/>
           <p:cNvSpPr>
             <a:spLocks noGrp="1"/>
           </p:cNvSpPr>
@@ -1858,31 +1704,31 @@
           <a:lstStyle/>
           <a:p>
             <a:r>
+              <a:rPr lang="ko-KR" altLang="en-US" smtClean="0"/>
+              <a:t>마스터 제목 스타일 편집</a:t>
+            </a:r>
+            <a:endParaRPr lang="en-US"/>
+          </a:p>
+        </p:txBody>
+      </p:sp>
+      <p:sp>
+        <p:nvSpPr>
+          <p:cNvPr id="3" name="날짜 개체 틀 2"/>
+          <p:cNvSpPr>
+            <a:spLocks noGrp="1"/>
+          </p:cNvSpPr>
+          <p:nvPr>
+            <p:ph type="dt" sz="half" idx="10"/>
+          </p:nvPr>
+        </p:nvSpPr>
+        <p:spPr/>
+        <p:txBody>
+          <a:bodyPr/>
+          <a:lstStyle/>
+          <a:p>
+            <a:fld id="{EE7D626E-D2B9-4517-8FCA-2C1B85368B6A}" type="datetimeFigureOut">
               <a:rPr lang="en-US" smtClean="0"/>
-              <a:t>Click to edit Master title style</a:t>
-            </a:r>
-            <a:endParaRPr lang="en-US"/>
-          </a:p>
-        </p:txBody>
-      </p:sp>
-      <p:sp>
-        <p:nvSpPr>
-          <p:cNvPr id="3" name="Date Placeholder 2"/>
-          <p:cNvSpPr>
-            <a:spLocks noGrp="1"/>
-          </p:cNvSpPr>
-          <p:nvPr>
-            <p:ph type="dt" sz="half" idx="10"/>
-          </p:nvPr>
-        </p:nvSpPr>
-        <p:spPr/>
-        <p:txBody>
-          <a:bodyPr/>
-          <a:lstStyle/>
-          <a:p>
-            <a:fld id="{5BCAD085-E8A6-8845-BD4E-CB4CCA059FC4}" type="datetimeFigureOut">
-              <a:rPr lang="en-US" smtClean="0"/>
-              <a:t>1/27/13</a:t>
+              <a:t>4/24/2018</a:t>
             </a:fld>
             <a:endParaRPr lang="en-US"/>
           </a:p>
@@ -1890,7 +1736,7 @@
       </p:sp>
       <p:sp>
         <p:nvSpPr>
-          <p:cNvPr id="4" name="Footer Placeholder 3"/>
+          <p:cNvPr id="4" name="바닥글 개체 틀 3"/>
           <p:cNvSpPr>
             <a:spLocks noGrp="1"/>
           </p:cNvSpPr>
@@ -1909,7 +1755,7 @@
       </p:sp>
       <p:sp>
         <p:nvSpPr>
-          <p:cNvPr id="5" name="Slide Number Placeholder 4"/>
+          <p:cNvPr id="5" name="슬라이드 번호 개체 틀 4"/>
           <p:cNvSpPr>
             <a:spLocks noGrp="1"/>
           </p:cNvSpPr>
@@ -1922,7 +1768,7 @@
           <a:bodyPr/>
           <a:lstStyle/>
           <a:p>
-            <a:fld id="{C1FF6DA9-008F-8B48-92A6-B652298478BF}" type="slidenum">
+            <a:fld id="{C2938A46-E69C-488D-9003-8C7D68FFF086}" type="slidenum">
               <a:rPr lang="en-US" smtClean="0"/>
               <a:t>‹#›</a:t>
             </a:fld>
@@ -1933,7 +1779,7 @@
     </p:spTree>
     <p:extLst>
       <p:ext uri="{BB962C8B-B14F-4D97-AF65-F5344CB8AC3E}">
-        <p14:creationId xmlns:p14="http://schemas.microsoft.com/office/powerpoint/2010/main" val="727027711"/>
+        <p14:creationId xmlns:p14="http://schemas.microsoft.com/office/powerpoint/2010/main" val="608050211"/>
       </p:ext>
     </p:extLst>
   </p:cSld>
@@ -1945,7 +1791,7 @@
 
 <file path=ppt/slideLayouts/slideLayout7.xml><?xml version="1.0" encoding="utf-8"?>
 <p:sldLayout xmlns:a="http://schemas.openxmlformats.org/drawingml/2006/main" xmlns:r="http://schemas.openxmlformats.org/officeDocument/2006/relationships" xmlns:p="http://schemas.openxmlformats.org/presentationml/2006/main" type="blank" preserve="1">
-  <p:cSld name="Blank">
+  <p:cSld name="빈 화면">
     <p:spTree>
       <p:nvGrpSpPr>
         <p:cNvPr id="1" name=""/>
@@ -1962,7 +1808,7 @@
       </p:grpSpPr>
       <p:sp>
         <p:nvSpPr>
-          <p:cNvPr id="2" name="Date Placeholder 1"/>
+          <p:cNvPr id="2" name="날짜 개체 틀 1"/>
           <p:cNvSpPr>
             <a:spLocks noGrp="1"/>
           </p:cNvSpPr>
@@ -1975,9 +1821,9 @@
           <a:bodyPr/>
           <a:lstStyle/>
           <a:p>
-            <a:fld id="{5BCAD085-E8A6-8845-BD4E-CB4CCA059FC4}" type="datetimeFigureOut">
+            <a:fld id="{EE7D626E-D2B9-4517-8FCA-2C1B85368B6A}" type="datetimeFigureOut">
               <a:rPr lang="en-US" smtClean="0"/>
-              <a:t>1/27/13</a:t>
+              <a:t>4/24/2018</a:t>
             </a:fld>
             <a:endParaRPr lang="en-US"/>
           </a:p>
@@ -1985,7 +1831,7 @@
       </p:sp>
       <p:sp>
         <p:nvSpPr>
-          <p:cNvPr id="3" name="Footer Placeholder 2"/>
+          <p:cNvPr id="3" name="바닥글 개체 틀 2"/>
           <p:cNvSpPr>
             <a:spLocks noGrp="1"/>
           </p:cNvSpPr>
@@ -2004,7 +1850,7 @@
       </p:sp>
       <p:sp>
         <p:nvSpPr>
-          <p:cNvPr id="4" name="Slide Number Placeholder 3"/>
+          <p:cNvPr id="4" name="슬라이드 번호 개체 틀 3"/>
           <p:cNvSpPr>
             <a:spLocks noGrp="1"/>
           </p:cNvSpPr>
@@ -2017,7 +1863,7 @@
           <a:bodyPr/>
           <a:lstStyle/>
           <a:p>
-            <a:fld id="{C1FF6DA9-008F-8B48-92A6-B652298478BF}" type="slidenum">
+            <a:fld id="{C2938A46-E69C-488D-9003-8C7D68FFF086}" type="slidenum">
               <a:rPr lang="en-US" smtClean="0"/>
               <a:t>‹#›</a:t>
             </a:fld>
@@ -2028,7 +1874,7 @@
     </p:spTree>
     <p:extLst>
       <p:ext uri="{BB962C8B-B14F-4D97-AF65-F5344CB8AC3E}">
-        <p14:creationId xmlns:p14="http://schemas.microsoft.com/office/powerpoint/2010/main" val="1212999818"/>
+        <p14:creationId xmlns:p14="http://schemas.microsoft.com/office/powerpoint/2010/main" val="1422430853"/>
       </p:ext>
     </p:extLst>
   </p:cSld>
@@ -2040,7 +1886,7 @@
 
 <file path=ppt/slideLayouts/slideLayout8.xml><?xml version="1.0" encoding="utf-8"?>
 <p:sldLayout xmlns:a="http://schemas.openxmlformats.org/drawingml/2006/main" xmlns:r="http://schemas.openxmlformats.org/officeDocument/2006/relationships" xmlns:p="http://schemas.openxmlformats.org/presentationml/2006/main" type="objTx" preserve="1">
-  <p:cSld name="Content with Caption">
+  <p:cSld name="캡션 있는 콘텐츠">
     <p:spTree>
       <p:nvGrpSpPr>
         <p:cNvPr id="1" name=""/>
@@ -2057,7 +1903,7 @@
       </p:grpSpPr>
       <p:sp>
         <p:nvSpPr>
-          <p:cNvPr id="2" name="Title 1"/>
+          <p:cNvPr id="2" name="제목 1"/>
           <p:cNvSpPr>
             <a:spLocks noGrp="1"/>
           </p:cNvSpPr>
@@ -2067,29 +1913,29 @@
         </p:nvSpPr>
         <p:spPr>
           <a:xfrm>
-            <a:off x="457200" y="273050"/>
-            <a:ext cx="3008313" cy="1162050"/>
+            <a:off x="839788" y="457200"/>
+            <a:ext cx="3932237" cy="1600200"/>
           </a:xfrm>
         </p:spPr>
         <p:txBody>
           <a:bodyPr anchor="b"/>
           <a:lstStyle>
-            <a:lvl1pPr algn="l">
-              <a:defRPr sz="2000" b="1"/>
+            <a:lvl1pPr>
+              <a:defRPr sz="3200"/>
             </a:lvl1pPr>
           </a:lstStyle>
           <a:p>
             <a:r>
-              <a:rPr lang="en-US" smtClean="0"/>
-              <a:t>Click to edit Master title style</a:t>
-            </a:r>
-            <a:endParaRPr lang="en-US"/>
-          </a:p>
-        </p:txBody>
-      </p:sp>
-      <p:sp>
-        <p:nvSpPr>
-          <p:cNvPr id="3" name="Content Placeholder 2"/>
+              <a:rPr lang="ko-KR" altLang="en-US" smtClean="0"/>
+              <a:t>마스터 제목 스타일 편집</a:t>
+            </a:r>
+            <a:endParaRPr lang="en-US"/>
+          </a:p>
+        </p:txBody>
+      </p:sp>
+      <p:sp>
+        <p:nvSpPr>
+          <p:cNvPr id="3" name="내용 개체 틀 2"/>
           <p:cNvSpPr>
             <a:spLocks noGrp="1"/>
           </p:cNvSpPr>
@@ -2099,8 +1945,8 @@
         </p:nvSpPr>
         <p:spPr>
           <a:xfrm>
-            <a:off x="3575050" y="273050"/>
-            <a:ext cx="5111750" cy="5853113"/>
+            <a:off x="5183188" y="987425"/>
+            <a:ext cx="6172200" cy="4873625"/>
           </a:xfrm>
         </p:spPr>
         <p:txBody>
@@ -2137,44 +1983,44 @@
           <a:p>
             <a:pPr lvl="0"/>
             <a:r>
-              <a:rPr lang="en-US" smtClean="0"/>
-              <a:t>Click to edit Master text styles</a:t>
+              <a:rPr lang="ko-KR" altLang="en-US" smtClean="0"/>
+              <a:t>마스터 텍스트 스타일 편집</a:t>
             </a:r>
           </a:p>
           <a:p>
             <a:pPr lvl="1"/>
             <a:r>
-              <a:rPr lang="en-US" smtClean="0"/>
-              <a:t>Second level</a:t>
+              <a:rPr lang="ko-KR" altLang="en-US" smtClean="0"/>
+              <a:t>둘째 수준</a:t>
             </a:r>
           </a:p>
           <a:p>
             <a:pPr lvl="2"/>
             <a:r>
-              <a:rPr lang="en-US" smtClean="0"/>
-              <a:t>Third level</a:t>
+              <a:rPr lang="ko-KR" altLang="en-US" smtClean="0"/>
+              <a:t>셋째 수준</a:t>
             </a:r>
           </a:p>
           <a:p>
             <a:pPr lvl="3"/>
             <a:r>
-              <a:rPr lang="en-US" smtClean="0"/>
-              <a:t>Fourth level</a:t>
+              <a:rPr lang="ko-KR" altLang="en-US" smtClean="0"/>
+              <a:t>넷째 수준</a:t>
             </a:r>
           </a:p>
           <a:p>
             <a:pPr lvl="4"/>
             <a:r>
-              <a:rPr lang="en-US" smtClean="0"/>
-              <a:t>Fifth level</a:t>
-            </a:r>
-            <a:endParaRPr lang="en-US"/>
-          </a:p>
-        </p:txBody>
-      </p:sp>
-      <p:sp>
-        <p:nvSpPr>
-          <p:cNvPr id="4" name="Text Placeholder 3"/>
+              <a:rPr lang="ko-KR" altLang="en-US" smtClean="0"/>
+              <a:t>다섯째 수준</a:t>
+            </a:r>
+            <a:endParaRPr lang="en-US"/>
+          </a:p>
+        </p:txBody>
+      </p:sp>
+      <p:sp>
+        <p:nvSpPr>
+          <p:cNvPr id="4" name="텍스트 개체 틀 3"/>
           <p:cNvSpPr>
             <a:spLocks noGrp="1"/>
           </p:cNvSpPr>
@@ -2184,8 +2030,8 @@
         </p:nvSpPr>
         <p:spPr>
           <a:xfrm>
-            <a:off x="457200" y="1435100"/>
-            <a:ext cx="3008313" cy="4691063"/>
+            <a:off x="839788" y="2057400"/>
+            <a:ext cx="3932237" cy="3811588"/>
           </a:xfrm>
         </p:spPr>
         <p:txBody>
@@ -2193,68 +2039,68 @@
           <a:lstStyle>
             <a:lvl1pPr marL="0" indent="0">
               <a:buNone/>
-              <a:defRPr sz="1400"/>
+              <a:defRPr sz="1600"/>
             </a:lvl1pPr>
             <a:lvl2pPr marL="457200" indent="0">
               <a:buNone/>
-              <a:defRPr sz="1200"/>
+              <a:defRPr sz="1400"/>
             </a:lvl2pPr>
             <a:lvl3pPr marL="914400" indent="0">
               <a:buNone/>
-              <a:defRPr sz="1000"/>
+              <a:defRPr sz="1200"/>
             </a:lvl3pPr>
             <a:lvl4pPr marL="1371600" indent="0">
               <a:buNone/>
-              <a:defRPr sz="900"/>
+              <a:defRPr sz="1000"/>
             </a:lvl4pPr>
             <a:lvl5pPr marL="1828800" indent="0">
               <a:buNone/>
-              <a:defRPr sz="900"/>
+              <a:defRPr sz="1000"/>
             </a:lvl5pPr>
             <a:lvl6pPr marL="2286000" indent="0">
               <a:buNone/>
-              <a:defRPr sz="900"/>
+              <a:defRPr sz="1000"/>
             </a:lvl6pPr>
             <a:lvl7pPr marL="2743200" indent="0">
               <a:buNone/>
-              <a:defRPr sz="900"/>
+              <a:defRPr sz="1000"/>
             </a:lvl7pPr>
             <a:lvl8pPr marL="3200400" indent="0">
               <a:buNone/>
-              <a:defRPr sz="900"/>
+              <a:defRPr sz="1000"/>
             </a:lvl8pPr>
             <a:lvl9pPr marL="3657600" indent="0">
               <a:buNone/>
-              <a:defRPr sz="900"/>
+              <a:defRPr sz="1000"/>
             </a:lvl9pPr>
           </a:lstStyle>
           <a:p>
             <a:pPr lvl="0"/>
             <a:r>
+              <a:rPr lang="ko-KR" altLang="en-US" smtClean="0"/>
+              <a:t>마스터 텍스트 스타일 편집</a:t>
+            </a:r>
+          </a:p>
+        </p:txBody>
+      </p:sp>
+      <p:sp>
+        <p:nvSpPr>
+          <p:cNvPr id="5" name="날짜 개체 틀 4"/>
+          <p:cNvSpPr>
+            <a:spLocks noGrp="1"/>
+          </p:cNvSpPr>
+          <p:nvPr>
+            <p:ph type="dt" sz="half" idx="10"/>
+          </p:nvPr>
+        </p:nvSpPr>
+        <p:spPr/>
+        <p:txBody>
+          <a:bodyPr/>
+          <a:lstStyle/>
+          <a:p>
+            <a:fld id="{EE7D626E-D2B9-4517-8FCA-2C1B85368B6A}" type="datetimeFigureOut">
               <a:rPr lang="en-US" smtClean="0"/>
-              <a:t>Click to edit Master text styles</a:t>
-            </a:r>
-          </a:p>
-        </p:txBody>
-      </p:sp>
-      <p:sp>
-        <p:nvSpPr>
-          <p:cNvPr id="5" name="Date Placeholder 4"/>
-          <p:cNvSpPr>
-            <a:spLocks noGrp="1"/>
-          </p:cNvSpPr>
-          <p:nvPr>
-            <p:ph type="dt" sz="half" idx="10"/>
-          </p:nvPr>
-        </p:nvSpPr>
-        <p:spPr/>
-        <p:txBody>
-          <a:bodyPr/>
-          <a:lstStyle/>
-          <a:p>
-            <a:fld id="{5BCAD085-E8A6-8845-BD4E-CB4CCA059FC4}" type="datetimeFigureOut">
-              <a:rPr lang="en-US" smtClean="0"/>
-              <a:t>1/27/13</a:t>
+              <a:t>4/24/2018</a:t>
             </a:fld>
             <a:endParaRPr lang="en-US"/>
           </a:p>
@@ -2262,7 +2108,7 @@
       </p:sp>
       <p:sp>
         <p:nvSpPr>
-          <p:cNvPr id="6" name="Footer Placeholder 5"/>
+          <p:cNvPr id="6" name="바닥글 개체 틀 5"/>
           <p:cNvSpPr>
             <a:spLocks noGrp="1"/>
           </p:cNvSpPr>
@@ -2281,7 +2127,7 @@
       </p:sp>
       <p:sp>
         <p:nvSpPr>
-          <p:cNvPr id="7" name="Slide Number Placeholder 6"/>
+          <p:cNvPr id="7" name="슬라이드 번호 개체 틀 6"/>
           <p:cNvSpPr>
             <a:spLocks noGrp="1"/>
           </p:cNvSpPr>
@@ -2294,7 +2140,7 @@
           <a:bodyPr/>
           <a:lstStyle/>
           <a:p>
-            <a:fld id="{C1FF6DA9-008F-8B48-92A6-B652298478BF}" type="slidenum">
+            <a:fld id="{C2938A46-E69C-488D-9003-8C7D68FFF086}" type="slidenum">
               <a:rPr lang="en-US" smtClean="0"/>
               <a:t>‹#›</a:t>
             </a:fld>
@@ -2305,7 +2151,7 @@
     </p:spTree>
     <p:extLst>
       <p:ext uri="{BB962C8B-B14F-4D97-AF65-F5344CB8AC3E}">
-        <p14:creationId xmlns:p14="http://schemas.microsoft.com/office/powerpoint/2010/main" val="1840726560"/>
+        <p14:creationId xmlns:p14="http://schemas.microsoft.com/office/powerpoint/2010/main" val="1353560902"/>
       </p:ext>
     </p:extLst>
   </p:cSld>
@@ -2317,7 +2163,7 @@
 
 <file path=ppt/slideLayouts/slideLayout9.xml><?xml version="1.0" encoding="utf-8"?>
 <p:sldLayout xmlns:a="http://schemas.openxmlformats.org/drawingml/2006/main" xmlns:r="http://schemas.openxmlformats.org/officeDocument/2006/relationships" xmlns:p="http://schemas.openxmlformats.org/presentationml/2006/main" type="picTx" preserve="1">
-  <p:cSld name="Picture with Caption">
+  <p:cSld name="캡션 있는 그림">
     <p:spTree>
       <p:nvGrpSpPr>
         <p:cNvPr id="1" name=""/>
@@ -2334,7 +2180,7 @@
       </p:grpSpPr>
       <p:sp>
         <p:nvSpPr>
-          <p:cNvPr id="2" name="Title 1"/>
+          <p:cNvPr id="2" name="제목 1"/>
           <p:cNvSpPr>
             <a:spLocks noGrp="1"/>
           </p:cNvSpPr>
@@ -2344,29 +2190,29 @@
         </p:nvSpPr>
         <p:spPr>
           <a:xfrm>
-            <a:off x="1792288" y="4800600"/>
-            <a:ext cx="5486400" cy="566738"/>
+            <a:off x="839788" y="457200"/>
+            <a:ext cx="3932237" cy="1600200"/>
           </a:xfrm>
         </p:spPr>
         <p:txBody>
           <a:bodyPr anchor="b"/>
           <a:lstStyle>
-            <a:lvl1pPr algn="l">
-              <a:defRPr sz="2000" b="1"/>
+            <a:lvl1pPr>
+              <a:defRPr sz="3200"/>
             </a:lvl1pPr>
           </a:lstStyle>
           <a:p>
             <a:r>
-              <a:rPr lang="en-US" smtClean="0"/>
-              <a:t>Click to edit Master title style</a:t>
-            </a:r>
-            <a:endParaRPr lang="en-US"/>
-          </a:p>
-        </p:txBody>
-      </p:sp>
-      <p:sp>
-        <p:nvSpPr>
-          <p:cNvPr id="3" name="Picture Placeholder 2"/>
+              <a:rPr lang="ko-KR" altLang="en-US" smtClean="0"/>
+              <a:t>마스터 제목 스타일 편집</a:t>
+            </a:r>
+            <a:endParaRPr lang="en-US"/>
+          </a:p>
+        </p:txBody>
+      </p:sp>
+      <p:sp>
+        <p:nvSpPr>
+          <p:cNvPr id="3" name="그림 개체 틀 2"/>
           <p:cNvSpPr>
             <a:spLocks noGrp="1"/>
           </p:cNvSpPr>
@@ -2376,8 +2222,8 @@
         </p:nvSpPr>
         <p:spPr>
           <a:xfrm>
-            <a:off x="1792288" y="612775"/>
-            <a:ext cx="5486400" cy="4114800"/>
+            <a:off x="5183188" y="987425"/>
+            <a:ext cx="6172200" cy="4873625"/>
           </a:xfrm>
         </p:spPr>
         <p:txBody>
@@ -2427,7 +2273,7 @@
       </p:sp>
       <p:sp>
         <p:nvSpPr>
-          <p:cNvPr id="4" name="Text Placeholder 3"/>
+          <p:cNvPr id="4" name="텍스트 개체 틀 3"/>
           <p:cNvSpPr>
             <a:spLocks noGrp="1"/>
           </p:cNvSpPr>
@@ -2437,8 +2283,8 @@
         </p:nvSpPr>
         <p:spPr>
           <a:xfrm>
-            <a:off x="1792288" y="5367338"/>
-            <a:ext cx="5486400" cy="804862"/>
+            <a:off x="839788" y="2057400"/>
+            <a:ext cx="3932237" cy="3811588"/>
           </a:xfrm>
         </p:spPr>
         <p:txBody>
@@ -2446,68 +2292,68 @@
           <a:lstStyle>
             <a:lvl1pPr marL="0" indent="0">
               <a:buNone/>
-              <a:defRPr sz="1400"/>
+              <a:defRPr sz="1600"/>
             </a:lvl1pPr>
             <a:lvl2pPr marL="457200" indent="0">
               <a:buNone/>
-              <a:defRPr sz="1200"/>
+              <a:defRPr sz="1400"/>
             </a:lvl2pPr>
             <a:lvl3pPr marL="914400" indent="0">
               <a:buNone/>
-              <a:defRPr sz="1000"/>
+              <a:defRPr sz="1200"/>
             </a:lvl3pPr>
             <a:lvl4pPr marL="1371600" indent="0">
               <a:buNone/>
-              <a:defRPr sz="900"/>
+              <a:defRPr sz="1000"/>
             </a:lvl4pPr>
             <a:lvl5pPr marL="1828800" indent="0">
               <a:buNone/>
-              <a:defRPr sz="900"/>
+              <a:defRPr sz="1000"/>
             </a:lvl5pPr>
             <a:lvl6pPr marL="2286000" indent="0">
               <a:buNone/>
-              <a:defRPr sz="900"/>
+              <a:defRPr sz="1000"/>
             </a:lvl6pPr>
             <a:lvl7pPr marL="2743200" indent="0">
               <a:buNone/>
-              <a:defRPr sz="900"/>
+              <a:defRPr sz="1000"/>
             </a:lvl7pPr>
             <a:lvl8pPr marL="3200400" indent="0">
               <a:buNone/>
-              <a:defRPr sz="900"/>
+              <a:defRPr sz="1000"/>
             </a:lvl8pPr>
             <a:lvl9pPr marL="3657600" indent="0">
               <a:buNone/>
-              <a:defRPr sz="900"/>
+              <a:defRPr sz="1000"/>
             </a:lvl9pPr>
           </a:lstStyle>
           <a:p>
             <a:pPr lvl="0"/>
             <a:r>
+              <a:rPr lang="ko-KR" altLang="en-US" smtClean="0"/>
+              <a:t>마스터 텍스트 스타일 편집</a:t>
+            </a:r>
+          </a:p>
+        </p:txBody>
+      </p:sp>
+      <p:sp>
+        <p:nvSpPr>
+          <p:cNvPr id="5" name="날짜 개체 틀 4"/>
+          <p:cNvSpPr>
+            <a:spLocks noGrp="1"/>
+          </p:cNvSpPr>
+          <p:nvPr>
+            <p:ph type="dt" sz="half" idx="10"/>
+          </p:nvPr>
+        </p:nvSpPr>
+        <p:spPr/>
+        <p:txBody>
+          <a:bodyPr/>
+          <a:lstStyle/>
+          <a:p>
+            <a:fld id="{EE7D626E-D2B9-4517-8FCA-2C1B85368B6A}" type="datetimeFigureOut">
               <a:rPr lang="en-US" smtClean="0"/>
-              <a:t>Click to edit Master text styles</a:t>
-            </a:r>
-          </a:p>
-        </p:txBody>
-      </p:sp>
-      <p:sp>
-        <p:nvSpPr>
-          <p:cNvPr id="5" name="Date Placeholder 4"/>
-          <p:cNvSpPr>
-            <a:spLocks noGrp="1"/>
-          </p:cNvSpPr>
-          <p:nvPr>
-            <p:ph type="dt" sz="half" idx="10"/>
-          </p:nvPr>
-        </p:nvSpPr>
-        <p:spPr/>
-        <p:txBody>
-          <a:bodyPr/>
-          <a:lstStyle/>
-          <a:p>
-            <a:fld id="{5BCAD085-E8A6-8845-BD4E-CB4CCA059FC4}" type="datetimeFigureOut">
-              <a:rPr lang="en-US" smtClean="0"/>
-              <a:t>1/27/13</a:t>
+              <a:t>4/24/2018</a:t>
             </a:fld>
             <a:endParaRPr lang="en-US"/>
           </a:p>
@@ -2515,7 +2361,7 @@
       </p:sp>
       <p:sp>
         <p:nvSpPr>
-          <p:cNvPr id="6" name="Footer Placeholder 5"/>
+          <p:cNvPr id="6" name="바닥글 개체 틀 5"/>
           <p:cNvSpPr>
             <a:spLocks noGrp="1"/>
           </p:cNvSpPr>
@@ -2534,7 +2380,7 @@
       </p:sp>
       <p:sp>
         <p:nvSpPr>
-          <p:cNvPr id="7" name="Slide Number Placeholder 6"/>
+          <p:cNvPr id="7" name="슬라이드 번호 개체 틀 6"/>
           <p:cNvSpPr>
             <a:spLocks noGrp="1"/>
           </p:cNvSpPr>
@@ -2547,7 +2393,7 @@
           <a:bodyPr/>
           <a:lstStyle/>
           <a:p>
-            <a:fld id="{C1FF6DA9-008F-8B48-92A6-B652298478BF}" type="slidenum">
+            <a:fld id="{C2938A46-E69C-488D-9003-8C7D68FFF086}" type="slidenum">
               <a:rPr lang="en-US" smtClean="0"/>
               <a:t>‹#›</a:t>
             </a:fld>
@@ -2558,7 +2404,7 @@
     </p:spTree>
     <p:extLst>
       <p:ext uri="{BB962C8B-B14F-4D97-AF65-F5344CB8AC3E}">
-        <p14:creationId xmlns:p14="http://schemas.microsoft.com/office/powerpoint/2010/main" val="3889236939"/>
+        <p14:creationId xmlns:p14="http://schemas.microsoft.com/office/powerpoint/2010/main" val="739328571"/>
       </p:ext>
     </p:extLst>
   </p:cSld>
@@ -2592,7 +2438,7 @@
       </p:grpSpPr>
       <p:sp>
         <p:nvSpPr>
-          <p:cNvPr id="2" name="Title Placeholder 1"/>
+          <p:cNvPr id="2" name="제목 개체 틀 1"/>
           <p:cNvSpPr>
             <a:spLocks noGrp="1"/>
           </p:cNvSpPr>
@@ -2602,8 +2448,8 @@
         </p:nvSpPr>
         <p:spPr>
           <a:xfrm>
-            <a:off x="457200" y="274638"/>
-            <a:ext cx="8229600" cy="1143000"/>
+            <a:off x="838200" y="365125"/>
+            <a:ext cx="10515600" cy="1325563"/>
           </a:xfrm>
           <a:prstGeom prst="rect">
             <a:avLst/>
@@ -2616,16 +2462,16 @@
           <a:lstStyle/>
           <a:p>
             <a:r>
-              <a:rPr lang="en-US" smtClean="0"/>
-              <a:t>Click to edit Master title style</a:t>
-            </a:r>
-            <a:endParaRPr lang="en-US"/>
-          </a:p>
-        </p:txBody>
-      </p:sp>
-      <p:sp>
-        <p:nvSpPr>
-          <p:cNvPr id="3" name="Text Placeholder 2"/>
+              <a:rPr lang="ko-KR" altLang="en-US" smtClean="0"/>
+              <a:t>마스터 제목 스타일 편집</a:t>
+            </a:r>
+            <a:endParaRPr lang="en-US"/>
+          </a:p>
+        </p:txBody>
+      </p:sp>
+      <p:sp>
+        <p:nvSpPr>
+          <p:cNvPr id="3" name="텍스트 개체 틀 2"/>
           <p:cNvSpPr>
             <a:spLocks noGrp="1"/>
           </p:cNvSpPr>
@@ -2635,8 +2481,8 @@
         </p:nvSpPr>
         <p:spPr>
           <a:xfrm>
-            <a:off x="457200" y="1600200"/>
-            <a:ext cx="8229600" cy="4525963"/>
+            <a:off x="838200" y="1825625"/>
+            <a:ext cx="10515600" cy="4351338"/>
           </a:xfrm>
           <a:prstGeom prst="rect">
             <a:avLst/>
@@ -2650,44 +2496,44 @@
           <a:p>
             <a:pPr lvl="0"/>
             <a:r>
-              <a:rPr lang="en-US" smtClean="0"/>
-              <a:t>Click to edit Master text styles</a:t>
+              <a:rPr lang="ko-KR" altLang="en-US" smtClean="0"/>
+              <a:t>마스터 텍스트 스타일 편집</a:t>
             </a:r>
           </a:p>
           <a:p>
             <a:pPr lvl="1"/>
             <a:r>
-              <a:rPr lang="en-US" smtClean="0"/>
-              <a:t>Second level</a:t>
+              <a:rPr lang="ko-KR" altLang="en-US" smtClean="0"/>
+              <a:t>둘째 수준</a:t>
             </a:r>
           </a:p>
           <a:p>
             <a:pPr lvl="2"/>
             <a:r>
-              <a:rPr lang="en-US" smtClean="0"/>
-              <a:t>Third level</a:t>
+              <a:rPr lang="ko-KR" altLang="en-US" smtClean="0"/>
+              <a:t>셋째 수준</a:t>
             </a:r>
           </a:p>
           <a:p>
             <a:pPr lvl="3"/>
             <a:r>
-              <a:rPr lang="en-US" smtClean="0"/>
-              <a:t>Fourth level</a:t>
+              <a:rPr lang="ko-KR" altLang="en-US" smtClean="0"/>
+              <a:t>넷째 수준</a:t>
             </a:r>
           </a:p>
           <a:p>
             <a:pPr lvl="4"/>
             <a:r>
-              <a:rPr lang="en-US" smtClean="0"/>
-              <a:t>Fifth level</a:t>
-            </a:r>
-            <a:endParaRPr lang="en-US"/>
-          </a:p>
-        </p:txBody>
-      </p:sp>
-      <p:sp>
-        <p:nvSpPr>
-          <p:cNvPr id="4" name="Date Placeholder 3"/>
+              <a:rPr lang="ko-KR" altLang="en-US" smtClean="0"/>
+              <a:t>다섯째 수준</a:t>
+            </a:r>
+            <a:endParaRPr lang="en-US"/>
+          </a:p>
+        </p:txBody>
+      </p:sp>
+      <p:sp>
+        <p:nvSpPr>
+          <p:cNvPr id="4" name="날짜 개체 틀 3"/>
           <p:cNvSpPr>
             <a:spLocks noGrp="1"/>
           </p:cNvSpPr>
@@ -2697,8 +2543,8 @@
         </p:nvSpPr>
         <p:spPr>
           <a:xfrm>
-            <a:off x="457200" y="6356350"/>
-            <a:ext cx="2133600" cy="365125"/>
+            <a:off x="838200" y="6356350"/>
+            <a:ext cx="2743200" cy="365125"/>
           </a:xfrm>
           <a:prstGeom prst="rect">
             <a:avLst/>
@@ -2718,9 +2564,9 @@
             </a:lvl1pPr>
           </a:lstStyle>
           <a:p>
-            <a:fld id="{5BCAD085-E8A6-8845-BD4E-CB4CCA059FC4}" type="datetimeFigureOut">
+            <a:fld id="{EE7D626E-D2B9-4517-8FCA-2C1B85368B6A}" type="datetimeFigureOut">
               <a:rPr lang="en-US" smtClean="0"/>
-              <a:t>1/27/13</a:t>
+              <a:t>4/24/2018</a:t>
             </a:fld>
             <a:endParaRPr lang="en-US"/>
           </a:p>
@@ -2728,7 +2574,7 @@
       </p:sp>
       <p:sp>
         <p:nvSpPr>
-          <p:cNvPr id="5" name="Footer Placeholder 4"/>
+          <p:cNvPr id="5" name="바닥글 개체 틀 4"/>
           <p:cNvSpPr>
             <a:spLocks noGrp="1"/>
           </p:cNvSpPr>
@@ -2738,8 +2584,8 @@
         </p:nvSpPr>
         <p:spPr>
           <a:xfrm>
-            <a:off x="3124200" y="6356350"/>
-            <a:ext cx="2895600" cy="365125"/>
+            <a:off x="4038600" y="6356350"/>
+            <a:ext cx="4114800" cy="365125"/>
           </a:xfrm>
           <a:prstGeom prst="rect">
             <a:avLst/>
@@ -2765,7 +2611,7 @@
       </p:sp>
       <p:sp>
         <p:nvSpPr>
-          <p:cNvPr id="6" name="Slide Number Placeholder 5"/>
+          <p:cNvPr id="6" name="슬라이드 번호 개체 틀 5"/>
           <p:cNvSpPr>
             <a:spLocks noGrp="1"/>
           </p:cNvSpPr>
@@ -2775,8 +2621,8 @@
         </p:nvSpPr>
         <p:spPr>
           <a:xfrm>
-            <a:off x="6553200" y="6356350"/>
-            <a:ext cx="2133600" cy="365125"/>
+            <a:off x="8610600" y="6356350"/>
+            <a:ext cx="2743200" cy="365125"/>
           </a:xfrm>
           <a:prstGeom prst="rect">
             <a:avLst/>
@@ -2796,7 +2642,7 @@
             </a:lvl1pPr>
           </a:lstStyle>
           <a:p>
-            <a:fld id="{C1FF6DA9-008F-8B48-92A6-B652298478BF}" type="slidenum">
+            <a:fld id="{C2938A46-E69C-488D-9003-8C7D68FFF086}" type="slidenum">
               <a:rPr lang="en-US" smtClean="0"/>
               <a:t>‹#›</a:t>
             </a:fld>
@@ -2807,7 +2653,7 @@
     </p:spTree>
     <p:extLst>
       <p:ext uri="{BB962C8B-B14F-4D97-AF65-F5344CB8AC3E}">
-        <p14:creationId xmlns:p14="http://schemas.microsoft.com/office/powerpoint/2010/main" val="2209977519"/>
+        <p14:creationId xmlns:p14="http://schemas.microsoft.com/office/powerpoint/2010/main" val="4226989916"/>
       </p:ext>
     </p:extLst>
   </p:cSld>
@@ -2827,7 +2673,10 @@
   </p:sldLayoutIdLst>
   <p:txStyles>
     <p:titleStyle>
-      <a:lvl1pPr algn="ctr" defTabSz="457200" rtl="0" eaLnBrk="1" latinLnBrk="0" hangingPunct="1">
+      <a:lvl1pPr algn="l" defTabSz="914400" rtl="0" eaLnBrk="1" latinLnBrk="0" hangingPunct="1">
+        <a:lnSpc>
+          <a:spcPct val="90000"/>
+        </a:lnSpc>
         <a:spcBef>
           <a:spcPct val="0"/>
         </a:spcBef>
@@ -2843,13 +2692,16 @@
       </a:lvl1pPr>
     </p:titleStyle>
     <p:bodyStyle>
-      <a:lvl1pPr marL="342900" indent="-342900" algn="l" defTabSz="457200" rtl="0" eaLnBrk="1" latinLnBrk="0" hangingPunct="1">
+      <a:lvl1pPr marL="228600" indent="-228600" algn="l" defTabSz="914400" rtl="0" eaLnBrk="1" latinLnBrk="0" hangingPunct="1">
+        <a:lnSpc>
+          <a:spcPct val="90000"/>
+        </a:lnSpc>
         <a:spcBef>
-          <a:spcPct val="20000"/>
+          <a:spcPts val="1000"/>
         </a:spcBef>
-        <a:buFont typeface="Arial"/>
+        <a:buFont typeface="Arial" panose="020B0604020202020204" pitchFamily="34" charset="0"/>
         <a:buChar char="•"/>
-        <a:defRPr sz="3200" kern="1200">
+        <a:defRPr sz="2800" kern="1200">
           <a:solidFill>
             <a:schemeClr val="tx1"/>
           </a:solidFill>
@@ -2858,26 +2710,14 @@
           <a:cs typeface="+mn-cs"/>
         </a:defRPr>
       </a:lvl1pPr>
-      <a:lvl2pPr marL="742950" indent="-285750" algn="l" defTabSz="457200" rtl="0" eaLnBrk="1" latinLnBrk="0" hangingPunct="1">
+      <a:lvl2pPr marL="685800" indent="-228600" algn="l" defTabSz="914400" rtl="0" eaLnBrk="1" latinLnBrk="0" hangingPunct="1">
+        <a:lnSpc>
+          <a:spcPct val="90000"/>
+        </a:lnSpc>
         <a:spcBef>
-          <a:spcPct val="20000"/>
+          <a:spcPts val="500"/>
         </a:spcBef>
-        <a:buFont typeface="Arial"/>
-        <a:buChar char="–"/>
-        <a:defRPr sz="2800" kern="1200">
-          <a:solidFill>
-            <a:schemeClr val="tx1"/>
-          </a:solidFill>
-          <a:latin typeface="+mn-lt"/>
-          <a:ea typeface="+mn-ea"/>
-          <a:cs typeface="+mn-cs"/>
-        </a:defRPr>
-      </a:lvl2pPr>
-      <a:lvl3pPr marL="1143000" indent="-228600" algn="l" defTabSz="457200" rtl="0" eaLnBrk="1" latinLnBrk="0" hangingPunct="1">
-        <a:spcBef>
-          <a:spcPct val="20000"/>
-        </a:spcBef>
-        <a:buFont typeface="Arial"/>
+        <a:buFont typeface="Arial" panose="020B0604020202020204" pitchFamily="34" charset="0"/>
         <a:buChar char="•"/>
         <a:defRPr sz="2400" kern="1200">
           <a:solidFill>
@@ -2887,42 +2727,15 @@
           <a:ea typeface="+mn-ea"/>
           <a:cs typeface="+mn-cs"/>
         </a:defRPr>
-      </a:lvl3pPr>
-      <a:lvl4pPr marL="1600200" indent="-228600" algn="l" defTabSz="457200" rtl="0" eaLnBrk="1" latinLnBrk="0" hangingPunct="1">
+      </a:lvl2pPr>
+      <a:lvl3pPr marL="1143000" indent="-228600" algn="l" defTabSz="914400" rtl="0" eaLnBrk="1" latinLnBrk="0" hangingPunct="1">
+        <a:lnSpc>
+          <a:spcPct val="90000"/>
+        </a:lnSpc>
         <a:spcBef>
-          <a:spcPct val="20000"/>
+          <a:spcPts val="500"/>
         </a:spcBef>
-        <a:buFont typeface="Arial"/>
-        <a:buChar char="–"/>
-        <a:defRPr sz="2000" kern="1200">
-          <a:solidFill>
-            <a:schemeClr val="tx1"/>
-          </a:solidFill>
-          <a:latin typeface="+mn-lt"/>
-          <a:ea typeface="+mn-ea"/>
-          <a:cs typeface="+mn-cs"/>
-        </a:defRPr>
-      </a:lvl4pPr>
-      <a:lvl5pPr marL="2057400" indent="-228600" algn="l" defTabSz="457200" rtl="0" eaLnBrk="1" latinLnBrk="0" hangingPunct="1">
-        <a:spcBef>
-          <a:spcPct val="20000"/>
-        </a:spcBef>
-        <a:buFont typeface="Arial"/>
-        <a:buChar char="»"/>
-        <a:defRPr sz="2000" kern="1200">
-          <a:solidFill>
-            <a:schemeClr val="tx1"/>
-          </a:solidFill>
-          <a:latin typeface="+mn-lt"/>
-          <a:ea typeface="+mn-ea"/>
-          <a:cs typeface="+mn-cs"/>
-        </a:defRPr>
-      </a:lvl5pPr>
-      <a:lvl6pPr marL="2514600" indent="-228600" algn="l" defTabSz="457200" rtl="0" eaLnBrk="1" latinLnBrk="0" hangingPunct="1">
-        <a:spcBef>
-          <a:spcPct val="20000"/>
-        </a:spcBef>
-        <a:buFont typeface="Arial"/>
+        <a:buFont typeface="Arial" panose="020B0604020202020204" pitchFamily="34" charset="0"/>
         <a:buChar char="•"/>
         <a:defRPr sz="2000" kern="1200">
           <a:solidFill>
@@ -2932,14 +2745,71 @@
           <a:ea typeface="+mn-ea"/>
           <a:cs typeface="+mn-cs"/>
         </a:defRPr>
+      </a:lvl3pPr>
+      <a:lvl4pPr marL="1600200" indent="-228600" algn="l" defTabSz="914400" rtl="0" eaLnBrk="1" latinLnBrk="0" hangingPunct="1">
+        <a:lnSpc>
+          <a:spcPct val="90000"/>
+        </a:lnSpc>
+        <a:spcBef>
+          <a:spcPts val="500"/>
+        </a:spcBef>
+        <a:buFont typeface="Arial" panose="020B0604020202020204" pitchFamily="34" charset="0"/>
+        <a:buChar char="•"/>
+        <a:defRPr sz="1800" kern="1200">
+          <a:solidFill>
+            <a:schemeClr val="tx1"/>
+          </a:solidFill>
+          <a:latin typeface="+mn-lt"/>
+          <a:ea typeface="+mn-ea"/>
+          <a:cs typeface="+mn-cs"/>
+        </a:defRPr>
+      </a:lvl4pPr>
+      <a:lvl5pPr marL="2057400" indent="-228600" algn="l" defTabSz="914400" rtl="0" eaLnBrk="1" latinLnBrk="0" hangingPunct="1">
+        <a:lnSpc>
+          <a:spcPct val="90000"/>
+        </a:lnSpc>
+        <a:spcBef>
+          <a:spcPts val="500"/>
+        </a:spcBef>
+        <a:buFont typeface="Arial" panose="020B0604020202020204" pitchFamily="34" charset="0"/>
+        <a:buChar char="•"/>
+        <a:defRPr sz="1800" kern="1200">
+          <a:solidFill>
+            <a:schemeClr val="tx1"/>
+          </a:solidFill>
+          <a:latin typeface="+mn-lt"/>
+          <a:ea typeface="+mn-ea"/>
+          <a:cs typeface="+mn-cs"/>
+        </a:defRPr>
+      </a:lvl5pPr>
+      <a:lvl6pPr marL="2514600" indent="-228600" algn="l" defTabSz="914400" rtl="0" eaLnBrk="1" latinLnBrk="0" hangingPunct="1">
+        <a:lnSpc>
+          <a:spcPct val="90000"/>
+        </a:lnSpc>
+        <a:spcBef>
+          <a:spcPts val="500"/>
+        </a:spcBef>
+        <a:buFont typeface="Arial" panose="020B0604020202020204" pitchFamily="34" charset="0"/>
+        <a:buChar char="•"/>
+        <a:defRPr sz="1800" kern="1200">
+          <a:solidFill>
+            <a:schemeClr val="tx1"/>
+          </a:solidFill>
+          <a:latin typeface="+mn-lt"/>
+          <a:ea typeface="+mn-ea"/>
+          <a:cs typeface="+mn-cs"/>
+        </a:defRPr>
       </a:lvl6pPr>
-      <a:lvl7pPr marL="2971800" indent="-228600" algn="l" defTabSz="457200" rtl="0" eaLnBrk="1" latinLnBrk="0" hangingPunct="1">
+      <a:lvl7pPr marL="2971800" indent="-228600" algn="l" defTabSz="914400" rtl="0" eaLnBrk="1" latinLnBrk="0" hangingPunct="1">
+        <a:lnSpc>
+          <a:spcPct val="90000"/>
+        </a:lnSpc>
         <a:spcBef>
-          <a:spcPct val="20000"/>
+          <a:spcPts val="500"/>
         </a:spcBef>
-        <a:buFont typeface="Arial"/>
+        <a:buFont typeface="Arial" panose="020B0604020202020204" pitchFamily="34" charset="0"/>
         <a:buChar char="•"/>
-        <a:defRPr sz="2000" kern="1200">
+        <a:defRPr sz="1800" kern="1200">
           <a:solidFill>
             <a:schemeClr val="tx1"/>
           </a:solidFill>
@@ -2948,13 +2818,16 @@
           <a:cs typeface="+mn-cs"/>
         </a:defRPr>
       </a:lvl7pPr>
-      <a:lvl8pPr marL="3429000" indent="-228600" algn="l" defTabSz="457200" rtl="0" eaLnBrk="1" latinLnBrk="0" hangingPunct="1">
+      <a:lvl8pPr marL="3429000" indent="-228600" algn="l" defTabSz="914400" rtl="0" eaLnBrk="1" latinLnBrk="0" hangingPunct="1">
+        <a:lnSpc>
+          <a:spcPct val="90000"/>
+        </a:lnSpc>
         <a:spcBef>
-          <a:spcPct val="20000"/>
+          <a:spcPts val="500"/>
         </a:spcBef>
-        <a:buFont typeface="Arial"/>
+        <a:buFont typeface="Arial" panose="020B0604020202020204" pitchFamily="34" charset="0"/>
         <a:buChar char="•"/>
-        <a:defRPr sz="2000" kern="1200">
+        <a:defRPr sz="1800" kern="1200">
           <a:solidFill>
             <a:schemeClr val="tx1"/>
           </a:solidFill>
@@ -2963,13 +2836,16 @@
           <a:cs typeface="+mn-cs"/>
         </a:defRPr>
       </a:lvl8pPr>
-      <a:lvl9pPr marL="3886200" indent="-228600" algn="l" defTabSz="457200" rtl="0" eaLnBrk="1" latinLnBrk="0" hangingPunct="1">
+      <a:lvl9pPr marL="3886200" indent="-228600" algn="l" defTabSz="914400" rtl="0" eaLnBrk="1" latinLnBrk="0" hangingPunct="1">
+        <a:lnSpc>
+          <a:spcPct val="90000"/>
+        </a:lnSpc>
         <a:spcBef>
-          <a:spcPct val="20000"/>
+          <a:spcPts val="500"/>
         </a:spcBef>
-        <a:buFont typeface="Arial"/>
+        <a:buFont typeface="Arial" panose="020B0604020202020204" pitchFamily="34" charset="0"/>
         <a:buChar char="•"/>
-        <a:defRPr sz="2000" kern="1200">
+        <a:defRPr sz="1800" kern="1200">
           <a:solidFill>
             <a:schemeClr val="tx1"/>
           </a:solidFill>
@@ -2983,7 +2859,7 @@
       <a:defPPr>
         <a:defRPr lang="en-US"/>
       </a:defPPr>
-      <a:lvl1pPr marL="0" algn="l" defTabSz="457200" rtl="0" eaLnBrk="1" latinLnBrk="0" hangingPunct="1">
+      <a:lvl1pPr marL="0" algn="l" defTabSz="914400" rtl="0" eaLnBrk="1" latinLnBrk="0" hangingPunct="1">
         <a:defRPr sz="1800" kern="1200">
           <a:solidFill>
             <a:schemeClr val="tx1"/>
@@ -2993,7 +2869,7 @@
           <a:cs typeface="+mn-cs"/>
         </a:defRPr>
       </a:lvl1pPr>
-      <a:lvl2pPr marL="457200" algn="l" defTabSz="457200" rtl="0" eaLnBrk="1" latinLnBrk="0" hangingPunct="1">
+      <a:lvl2pPr marL="457200" algn="l" defTabSz="914400" rtl="0" eaLnBrk="1" latinLnBrk="0" hangingPunct="1">
         <a:defRPr sz="1800" kern="1200">
           <a:solidFill>
             <a:schemeClr val="tx1"/>
@@ -3003,7 +2879,7 @@
           <a:cs typeface="+mn-cs"/>
         </a:defRPr>
       </a:lvl2pPr>
-      <a:lvl3pPr marL="914400" algn="l" defTabSz="457200" rtl="0" eaLnBrk="1" latinLnBrk="0" hangingPunct="1">
+      <a:lvl3pPr marL="914400" algn="l" defTabSz="914400" rtl="0" eaLnBrk="1" latinLnBrk="0" hangingPunct="1">
         <a:defRPr sz="1800" kern="1200">
           <a:solidFill>
             <a:schemeClr val="tx1"/>
@@ -3013,7 +2889,7 @@
           <a:cs typeface="+mn-cs"/>
         </a:defRPr>
       </a:lvl3pPr>
-      <a:lvl4pPr marL="1371600" algn="l" defTabSz="457200" rtl="0" eaLnBrk="1" latinLnBrk="0" hangingPunct="1">
+      <a:lvl4pPr marL="1371600" algn="l" defTabSz="914400" rtl="0" eaLnBrk="1" latinLnBrk="0" hangingPunct="1">
         <a:defRPr sz="1800" kern="1200">
           <a:solidFill>
             <a:schemeClr val="tx1"/>
@@ -3023,7 +2899,7 @@
           <a:cs typeface="+mn-cs"/>
         </a:defRPr>
       </a:lvl4pPr>
-      <a:lvl5pPr marL="1828800" algn="l" defTabSz="457200" rtl="0" eaLnBrk="1" latinLnBrk="0" hangingPunct="1">
+      <a:lvl5pPr marL="1828800" algn="l" defTabSz="914400" rtl="0" eaLnBrk="1" latinLnBrk="0" hangingPunct="1">
         <a:defRPr sz="1800" kern="1200">
           <a:solidFill>
             <a:schemeClr val="tx1"/>
@@ -3033,7 +2909,7 @@
           <a:cs typeface="+mn-cs"/>
         </a:defRPr>
       </a:lvl5pPr>
-      <a:lvl6pPr marL="2286000" algn="l" defTabSz="457200" rtl="0" eaLnBrk="1" latinLnBrk="0" hangingPunct="1">
+      <a:lvl6pPr marL="2286000" algn="l" defTabSz="914400" rtl="0" eaLnBrk="1" latinLnBrk="0" hangingPunct="1">
         <a:defRPr sz="1800" kern="1200">
           <a:solidFill>
             <a:schemeClr val="tx1"/>
@@ -3043,7 +2919,7 @@
           <a:cs typeface="+mn-cs"/>
         </a:defRPr>
       </a:lvl6pPr>
-      <a:lvl7pPr marL="2743200" algn="l" defTabSz="457200" rtl="0" eaLnBrk="1" latinLnBrk="0" hangingPunct="1">
+      <a:lvl7pPr marL="2743200" algn="l" defTabSz="914400" rtl="0" eaLnBrk="1" latinLnBrk="0" hangingPunct="1">
         <a:defRPr sz="1800" kern="1200">
           <a:solidFill>
             <a:schemeClr val="tx1"/>
@@ -3053,7 +2929,7 @@
           <a:cs typeface="+mn-cs"/>
         </a:defRPr>
       </a:lvl7pPr>
-      <a:lvl8pPr marL="3200400" algn="l" defTabSz="457200" rtl="0" eaLnBrk="1" latinLnBrk="0" hangingPunct="1">
+      <a:lvl8pPr marL="3200400" algn="l" defTabSz="914400" rtl="0" eaLnBrk="1" latinLnBrk="0" hangingPunct="1">
         <a:defRPr sz="1800" kern="1200">
           <a:solidFill>
             <a:schemeClr val="tx1"/>
@@ -3063,7 +2939,7 @@
           <a:cs typeface="+mn-cs"/>
         </a:defRPr>
       </a:lvl8pPr>
-      <a:lvl9pPr marL="3657600" algn="l" defTabSz="457200" rtl="0" eaLnBrk="1" latinLnBrk="0" hangingPunct="1">
+      <a:lvl9pPr marL="3657600" algn="l" defTabSz="914400" rtl="0" eaLnBrk="1" latinLnBrk="0" hangingPunct="1">
         <a:defRPr sz="1800" kern="1200">
           <a:solidFill>
             <a:schemeClr val="tx1"/>
@@ -3079,7 +2955,7 @@
 </file>
 
 <file path=ppt/slides/slide1.xml><?xml version="1.0" encoding="utf-8"?>
-<p:sld xmlns:a="http://schemas.openxmlformats.org/drawingml/2006/main" xmlns:p="http://schemas.openxmlformats.org/presentationml/2006/main" xmlns:r="http://schemas.openxmlformats.org/officeDocument/2006/relationships">
+<p:sld xmlns:a="http://schemas.openxmlformats.org/drawingml/2006/main" xmlns:r="http://schemas.openxmlformats.org/officeDocument/2006/relationships" xmlns:p="http://schemas.openxmlformats.org/presentationml/2006/main">
   <p:cSld>
     <p:spTree>
       <p:nvGrpSpPr>
@@ -3087,10 +2963,17 @@
         <p:cNvGrpSpPr/>
         <p:nvPr/>
       </p:nvGrpSpPr>
-      <p:grpSpPr/>
-      <p:sp>
-        <p:nvSpPr>
-          <p:cNvPr id="2" name="Title 1"/>
+      <p:grpSpPr>
+        <a:xfrm>
+          <a:off x="0" y="0"/>
+          <a:ext cx="0" cy="0"/>
+          <a:chOff x="0" y="0"/>
+          <a:chExt cx="0" cy="0"/>
+        </a:xfrm>
+      </p:grpSpPr>
+      <p:sp>
+        <p:nvSpPr>
+          <p:cNvPr id="2" name="제목 1"/>
           <p:cNvSpPr>
             <a:spLocks noGrp="1"/>
           </p:cNvSpPr>
@@ -3104,14 +2987,16 @@
           <a:lstStyle/>
           <a:p>
             <a:r>
-              <a:t>Hello, World!</a:t>
-            </a:r>
-          </a:p>
-        </p:txBody>
-      </p:sp>
-      <p:sp>
-        <p:nvSpPr>
-          <p:cNvPr id="3" name="Subtitle 2"/>
+              <a:rPr lang="en-US" dirty="0" smtClean="0"/>
+              <a:t>h1</a:t>
+            </a:r>
+            <a:endParaRPr lang="en-US" dirty="0"/>
+          </a:p>
+        </p:txBody>
+      </p:sp>
+      <p:sp>
+        <p:nvSpPr>
+          <p:cNvPr id="3" name="부제목 2"/>
           <p:cNvSpPr>
             <a:spLocks noGrp="1"/>
           </p:cNvSpPr>
@@ -3124,13 +3009,160 @@
           <a:bodyPr/>
           <a:lstStyle/>
           <a:p>
-            <a:r>
-              <a:t>python-pptx was here!</a:t>
-            </a:r>
+            <a:endParaRPr lang="en-US"/>
           </a:p>
         </p:txBody>
       </p:sp>
     </p:spTree>
+    <p:extLst>
+      <p:ext uri="{BB962C8B-B14F-4D97-AF65-F5344CB8AC3E}">
+        <p14:creationId xmlns:p14="http://schemas.microsoft.com/office/powerpoint/2010/main" val="1904533867"/>
+      </p:ext>
+    </p:extLst>
+  </p:cSld>
+  <p:clrMapOvr>
+    <a:masterClrMapping/>
+  </p:clrMapOvr>
+</p:sld>
+</file>
+
+<file path=ppt/slides/slide2.xml><?xml version="1.0" encoding="utf-8"?>
+<p:sld xmlns:a="http://schemas.openxmlformats.org/drawingml/2006/main" xmlns:r="http://schemas.openxmlformats.org/officeDocument/2006/relationships" xmlns:p="http://schemas.openxmlformats.org/presentationml/2006/main">
+  <p:cSld>
+    <p:spTree>
+      <p:nvGrpSpPr>
+        <p:cNvPr id="1" name=""/>
+        <p:cNvGrpSpPr/>
+        <p:nvPr/>
+      </p:nvGrpSpPr>
+      <p:grpSpPr>
+        <a:xfrm>
+          <a:off x="0" y="0"/>
+          <a:ext cx="0" cy="0"/>
+          <a:chOff x="0" y="0"/>
+          <a:chExt cx="0" cy="0"/>
+        </a:xfrm>
+      </p:grpSpPr>
+      <p:sp>
+        <p:nvSpPr>
+          <p:cNvPr id="2" name="제목 1"/>
+          <p:cNvSpPr>
+            <a:spLocks noGrp="1"/>
+          </p:cNvSpPr>
+          <p:nvPr>
+            <p:ph type="ctrTitle"/>
+          </p:nvPr>
+        </p:nvSpPr>
+        <p:spPr/>
+        <p:txBody>
+          <a:bodyPr/>
+          <a:lstStyle/>
+          <a:p>
+            <a:r>
+              <a:rPr lang="en-US" dirty="0" smtClean="0"/>
+              <a:t>h2</a:t>
+            </a:r>
+            <a:endParaRPr lang="en-US" dirty="0"/>
+          </a:p>
+        </p:txBody>
+      </p:sp>
+      <p:sp>
+        <p:nvSpPr>
+          <p:cNvPr id="3" name="부제목 2"/>
+          <p:cNvSpPr>
+            <a:spLocks noGrp="1"/>
+          </p:cNvSpPr>
+          <p:nvPr>
+            <p:ph type="subTitle" idx="1"/>
+          </p:nvPr>
+        </p:nvSpPr>
+        <p:spPr/>
+        <p:txBody>
+          <a:bodyPr/>
+          <a:lstStyle/>
+          <a:p>
+            <a:endParaRPr lang="en-US"/>
+          </a:p>
+        </p:txBody>
+      </p:sp>
+    </p:spTree>
+    <p:extLst>
+      <p:ext uri="{BB962C8B-B14F-4D97-AF65-F5344CB8AC3E}">
+        <p14:creationId xmlns:p14="http://schemas.microsoft.com/office/powerpoint/2010/main" val="3060737085"/>
+      </p:ext>
+    </p:extLst>
+  </p:cSld>
+  <p:clrMapOvr>
+    <a:masterClrMapping/>
+  </p:clrMapOvr>
+</p:sld>
+</file>
+
+<file path=ppt/slides/slide3.xml><?xml version="1.0" encoding="utf-8"?>
+<p:sld xmlns:a="http://schemas.openxmlformats.org/drawingml/2006/main" xmlns:r="http://schemas.openxmlformats.org/officeDocument/2006/relationships" xmlns:p="http://schemas.openxmlformats.org/presentationml/2006/main">
+  <p:cSld>
+    <p:spTree>
+      <p:nvGrpSpPr>
+        <p:cNvPr id="1" name=""/>
+        <p:cNvGrpSpPr/>
+        <p:nvPr/>
+      </p:nvGrpSpPr>
+      <p:grpSpPr>
+        <a:xfrm>
+          <a:off x="0" y="0"/>
+          <a:ext cx="0" cy="0"/>
+          <a:chOff x="0" y="0"/>
+          <a:chExt cx="0" cy="0"/>
+        </a:xfrm>
+      </p:grpSpPr>
+      <p:sp>
+        <p:nvSpPr>
+          <p:cNvPr id="2" name="제목 1"/>
+          <p:cNvSpPr>
+            <a:spLocks noGrp="1"/>
+          </p:cNvSpPr>
+          <p:nvPr>
+            <p:ph type="ctrTitle"/>
+          </p:nvPr>
+        </p:nvSpPr>
+        <p:spPr/>
+        <p:txBody>
+          <a:bodyPr/>
+          <a:lstStyle/>
+          <a:p>
+            <a:r>
+              <a:rPr lang="en-US" dirty="0" smtClean="0"/>
+              <a:t>h3</a:t>
+            </a:r>
+            <a:endParaRPr lang="en-US" dirty="0"/>
+          </a:p>
+        </p:txBody>
+      </p:sp>
+      <p:sp>
+        <p:nvSpPr>
+          <p:cNvPr id="3" name="부제목 2"/>
+          <p:cNvSpPr>
+            <a:spLocks noGrp="1"/>
+          </p:cNvSpPr>
+          <p:nvPr>
+            <p:ph type="subTitle" idx="1"/>
+          </p:nvPr>
+        </p:nvSpPr>
+        <p:spPr/>
+        <p:txBody>
+          <a:bodyPr/>
+          <a:lstStyle/>
+          <a:p>
+            <a:endParaRPr lang="en-US"/>
+          </a:p>
+        </p:txBody>
+      </p:sp>
+    </p:spTree>
+    <p:extLst>
+      <p:ext uri="{BB962C8B-B14F-4D97-AF65-F5344CB8AC3E}">
+        <p14:creationId xmlns:p14="http://schemas.microsoft.com/office/powerpoint/2010/main" val="256958352"/>
+      </p:ext>
+    </p:extLst>
   </p:cSld>
   <p:clrMapOvr>
     <a:masterClrMapping/>
@@ -3139,7 +3171,7 @@
 </file>
 
 <file path=ppt/theme/theme1.xml><?xml version="1.0" encoding="utf-8"?>
-<a:theme xmlns:a="http://schemas.openxmlformats.org/drawingml/2006/main" name="Office Theme">
+<a:theme xmlns:a="http://schemas.openxmlformats.org/drawingml/2006/main" name="Office 테마">
   <a:themeElements>
     <a:clrScheme name="Office">
       <a:dk1>
@@ -3149,44 +3181,44 @@
         <a:sysClr val="window" lastClr="FFFFFF"/>
       </a:lt1>
       <a:dk2>
-        <a:srgbClr val="1F497D"/>
+        <a:srgbClr val="44546A"/>
       </a:dk2>
       <a:lt2>
-        <a:srgbClr val="EEECE1"/>
+        <a:srgbClr val="E7E6E6"/>
       </a:lt2>
       <a:accent1>
-        <a:srgbClr val="4F81BD"/>
+        <a:srgbClr val="5B9BD5"/>
       </a:accent1>
       <a:accent2>
-        <a:srgbClr val="C0504D"/>
+        <a:srgbClr val="ED7D31"/>
       </a:accent2>
       <a:accent3>
-        <a:srgbClr val="9BBB59"/>
+        <a:srgbClr val="A5A5A5"/>
       </a:accent3>
       <a:accent4>
-        <a:srgbClr val="8064A2"/>
+        <a:srgbClr val="FFC000"/>
       </a:accent4>
       <a:accent5>
-        <a:srgbClr val="4BACC6"/>
+        <a:srgbClr val="4472C4"/>
       </a:accent5>
       <a:accent6>
-        <a:srgbClr val="F79646"/>
+        <a:srgbClr val="70AD47"/>
       </a:accent6>
       <a:hlink>
-        <a:srgbClr val="0000FF"/>
+        <a:srgbClr val="0563C1"/>
       </a:hlink>
       <a:folHlink>
-        <a:srgbClr val="800080"/>
+        <a:srgbClr val="954F72"/>
       </a:folHlink>
     </a:clrScheme>
     <a:fontScheme name="Office">
       <a:majorFont>
-        <a:latin typeface="Calibri"/>
+        <a:latin typeface="Calibri Light" panose="020F0302020204030204"/>
         <a:ea typeface=""/>
         <a:cs typeface=""/>
-        <a:font script="Jpan" typeface="ＭＳ Ｐゴシック"/>
+        <a:font script="Jpan" typeface="游ゴシック Light"/>
         <a:font script="Hang" typeface="맑은 고딕"/>
-        <a:font script="Hans" typeface="宋体"/>
+        <a:font script="Hans" typeface="等线 Light"/>
         <a:font script="Hant" typeface="新細明體"/>
         <a:font script="Arab" typeface="Times New Roman"/>
         <a:font script="Hebr" typeface="Times New Roman"/>
@@ -3216,12 +3248,12 @@
         <a:font script="Geor" typeface="Sylfaen"/>
       </a:majorFont>
       <a:minorFont>
-        <a:latin typeface="Calibri"/>
+        <a:latin typeface="Calibri" panose="020F0502020204030204"/>
         <a:ea typeface=""/>
         <a:cs typeface=""/>
-        <a:font script="Jpan" typeface="ＭＳ Ｐゴシック"/>
+        <a:font script="Jpan" typeface="游ゴシック"/>
         <a:font script="Hang" typeface="맑은 고딕"/>
-        <a:font script="Hans" typeface="宋体"/>
+        <a:font script="Hans" typeface="等线"/>
         <a:font script="Hant" typeface="新細明體"/>
         <a:font script="Arab" typeface="Arial"/>
         <a:font script="Hebr" typeface="Arial"/>
@@ -3260,200 +3292,141 @@
           <a:gsLst>
             <a:gs pos="0">
               <a:schemeClr val="phClr">
-                <a:tint val="50000"/>
-                <a:satMod val="300000"/>
+                <a:lumMod val="110000"/>
+                <a:satMod val="105000"/>
+                <a:tint val="67000"/>
               </a:schemeClr>
             </a:gs>
-            <a:gs pos="35000">
+            <a:gs pos="50000">
               <a:schemeClr val="phClr">
-                <a:tint val="37000"/>
-                <a:satMod val="300000"/>
+                <a:lumMod val="105000"/>
+                <a:satMod val="103000"/>
+                <a:tint val="73000"/>
               </a:schemeClr>
             </a:gs>
             <a:gs pos="100000">
               <a:schemeClr val="phClr">
-                <a:tint val="15000"/>
-                <a:satMod val="350000"/>
+                <a:lumMod val="105000"/>
+                <a:satMod val="109000"/>
+                <a:tint val="81000"/>
               </a:schemeClr>
             </a:gs>
           </a:gsLst>
-          <a:lin ang="16200000" scaled="1"/>
+          <a:lin ang="5400000" scaled="0"/>
         </a:gradFill>
         <a:gradFill rotWithShape="1">
           <a:gsLst>
             <a:gs pos="0">
               <a:schemeClr val="phClr">
-                <a:tint val="100000"/>
+                <a:satMod val="103000"/>
+                <a:lumMod val="102000"/>
+                <a:tint val="94000"/>
+              </a:schemeClr>
+            </a:gs>
+            <a:gs pos="50000">
+              <a:schemeClr val="phClr">
+                <a:satMod val="110000"/>
+                <a:lumMod val="100000"/>
                 <a:shade val="100000"/>
-                <a:satMod val="130000"/>
               </a:schemeClr>
             </a:gs>
             <a:gs pos="100000">
               <a:schemeClr val="phClr">
-                <a:tint val="50000"/>
-                <a:shade val="100000"/>
-                <a:satMod val="350000"/>
+                <a:lumMod val="99000"/>
+                <a:satMod val="120000"/>
+                <a:shade val="78000"/>
               </a:schemeClr>
             </a:gs>
           </a:gsLst>
-          <a:lin ang="16200000" scaled="0"/>
+          <a:lin ang="5400000" scaled="0"/>
         </a:gradFill>
       </a:fillStyleLst>
       <a:lnStyleLst>
-        <a:ln w="9525" cap="flat" cmpd="sng" algn="ctr">
-          <a:solidFill>
-            <a:schemeClr val="phClr">
-              <a:shade val="95000"/>
-              <a:satMod val="105000"/>
-            </a:schemeClr>
-          </a:solidFill>
-          <a:prstDash val="solid"/>
-        </a:ln>
-        <a:ln w="25400" cap="flat" cmpd="sng" algn="ctr">
+        <a:ln w="6350" cap="flat" cmpd="sng" algn="ctr">
           <a:solidFill>
             <a:schemeClr val="phClr"/>
           </a:solidFill>
           <a:prstDash val="solid"/>
+          <a:miter lim="800000"/>
         </a:ln>
-        <a:ln w="38100" cap="flat" cmpd="sng" algn="ctr">
+        <a:ln w="12700" cap="flat" cmpd="sng" algn="ctr">
           <a:solidFill>
             <a:schemeClr val="phClr"/>
           </a:solidFill>
           <a:prstDash val="solid"/>
+          <a:miter lim="800000"/>
+        </a:ln>
+        <a:ln w="19050" cap="flat" cmpd="sng" algn="ctr">
+          <a:solidFill>
+            <a:schemeClr val="phClr"/>
+          </a:solidFill>
+          <a:prstDash val="solid"/>
+          <a:miter lim="800000"/>
         </a:ln>
       </a:lnStyleLst>
       <a:effectStyleLst>
         <a:effectStyle>
+          <a:effectLst/>
+        </a:effectStyle>
+        <a:effectStyle>
+          <a:effectLst/>
+        </a:effectStyle>
+        <a:effectStyle>
           <a:effectLst>
-            <a:outerShdw blurRad="40000" dist="20000" dir="5400000" rotWithShape="0">
+            <a:outerShdw blurRad="57150" dist="19050" dir="5400000" algn="ctr" rotWithShape="0">
               <a:srgbClr val="000000">
-                <a:alpha val="38000"/>
+                <a:alpha val="63000"/>
               </a:srgbClr>
             </a:outerShdw>
           </a:effectLst>
-        </a:effectStyle>
-        <a:effectStyle>
-          <a:effectLst>
-            <a:outerShdw blurRad="40000" dist="23000" dir="5400000" rotWithShape="0">
-              <a:srgbClr val="000000">
-                <a:alpha val="35000"/>
-              </a:srgbClr>
-            </a:outerShdw>
-          </a:effectLst>
-        </a:effectStyle>
-        <a:effectStyle>
-          <a:effectLst>
-            <a:outerShdw blurRad="40000" dist="23000" dir="5400000" rotWithShape="0">
-              <a:srgbClr val="000000">
-                <a:alpha val="35000"/>
-              </a:srgbClr>
-            </a:outerShdw>
-          </a:effectLst>
-          <a:scene3d>
-            <a:camera prst="orthographicFront">
-              <a:rot lat="0" lon="0" rev="0"/>
-            </a:camera>
-            <a:lightRig rig="threePt" dir="t">
-              <a:rot lat="0" lon="0" rev="1200000"/>
-            </a:lightRig>
-          </a:scene3d>
-          <a:sp3d>
-            <a:bevelT w="63500" h="25400"/>
-          </a:sp3d>
         </a:effectStyle>
       </a:effectStyleLst>
       <a:bgFillStyleLst>
         <a:solidFill>
           <a:schemeClr val="phClr"/>
         </a:solidFill>
+        <a:solidFill>
+          <a:schemeClr val="phClr">
+            <a:tint val="95000"/>
+            <a:satMod val="170000"/>
+          </a:schemeClr>
+        </a:solidFill>
         <a:gradFill rotWithShape="1">
           <a:gsLst>
             <a:gs pos="0">
               <a:schemeClr val="phClr">
-                <a:tint val="40000"/>
-                <a:satMod val="350000"/>
+                <a:tint val="93000"/>
+                <a:satMod val="150000"/>
+                <a:shade val="98000"/>
+                <a:lumMod val="102000"/>
               </a:schemeClr>
             </a:gs>
-            <a:gs pos="40000">
+            <a:gs pos="50000">
               <a:schemeClr val="phClr">
-                <a:tint val="45000"/>
-                <a:shade val="99000"/>
-                <a:satMod val="350000"/>
+                <a:tint val="98000"/>
+                <a:satMod val="130000"/>
+                <a:shade val="90000"/>
+                <a:lumMod val="103000"/>
               </a:schemeClr>
             </a:gs>
             <a:gs pos="100000">
               <a:schemeClr val="phClr">
-                <a:shade val="20000"/>
-                <a:satMod val="255000"/>
+                <a:shade val="63000"/>
+                <a:satMod val="120000"/>
               </a:schemeClr>
             </a:gs>
           </a:gsLst>
-          <a:path path="circle">
-            <a:fillToRect l="50000" t="-80000" r="50000" b="180000"/>
-          </a:path>
-        </a:gradFill>
-        <a:gradFill rotWithShape="1">
-          <a:gsLst>
-            <a:gs pos="0">
-              <a:schemeClr val="phClr">
-                <a:tint val="80000"/>
-                <a:satMod val="300000"/>
-              </a:schemeClr>
-            </a:gs>
-            <a:gs pos="100000">
-              <a:schemeClr val="phClr">
-                <a:shade val="30000"/>
-                <a:satMod val="200000"/>
-              </a:schemeClr>
-            </a:gs>
-          </a:gsLst>
-          <a:path path="circle">
-            <a:fillToRect l="50000" t="50000" r="50000" b="50000"/>
-          </a:path>
+          <a:lin ang="5400000" scaled="0"/>
         </a:gradFill>
       </a:bgFillStyleLst>
     </a:fmtScheme>
   </a:themeElements>
-  <a:objectDefaults>
-    <a:spDef>
-      <a:spPr/>
-      <a:bodyPr/>
-      <a:lstStyle/>
-      <a:style>
-        <a:lnRef idx="1">
-          <a:schemeClr val="accent1"/>
-        </a:lnRef>
-        <a:fillRef idx="3">
-          <a:schemeClr val="accent1"/>
-        </a:fillRef>
-        <a:effectRef idx="2">
-          <a:schemeClr val="accent1"/>
-        </a:effectRef>
-        <a:fontRef idx="minor">
-          <a:schemeClr val="lt1"/>
-        </a:fontRef>
-      </a:style>
-    </a:spDef>
-    <a:lnDef>
-      <a:spPr/>
-      <a:bodyPr/>
-      <a:lstStyle/>
-      <a:style>
-        <a:lnRef idx="2">
-          <a:schemeClr val="accent1"/>
-        </a:lnRef>
-        <a:fillRef idx="0">
-          <a:schemeClr val="accent1"/>
-        </a:fillRef>
-        <a:effectRef idx="1">
-          <a:schemeClr val="accent1"/>
-        </a:effectRef>
-        <a:fontRef idx="minor">
-          <a:schemeClr val="tx1"/>
-        </a:fontRef>
-      </a:style>
-    </a:lnDef>
-  </a:objectDefaults>
+  <a:objectDefaults/>
   <a:extraClrSchemeLst/>
+  <a:extLst>
+    <a:ext uri="{05A4C25C-085E-4340-85A3-A5531E510DB2}">
+      <thm15:themeFamily xmlns:thm15="http://schemas.microsoft.com/office/thememl/2012/main" name="Office Theme" id="{62F939B6-93AF-4DB8-9C6B-D6C7DFDC589F}" vid="{4A3C46E8-61CC-4603-A589-7422A47A8E4A}"/>
+    </a:ext>
+  </a:extLst>
 </a:theme>
 </file>
--- a/test.pptx
+++ b/test.pptx
@@ -2955,7 +2955,7 @@
 </file>
 
 <file path=ppt/slides/slide1.xml><?xml version="1.0" encoding="utf-8"?>
-<p:sld xmlns:a="http://schemas.openxmlformats.org/drawingml/2006/main" xmlns:r="http://schemas.openxmlformats.org/officeDocument/2006/relationships" xmlns:p="http://schemas.openxmlformats.org/presentationml/2006/main">
+<p:sld xmlns:a="http://schemas.openxmlformats.org/drawingml/2006/main" xmlns:p="http://schemas.openxmlformats.org/presentationml/2006/main" xmlns:r="http://schemas.openxmlformats.org/officeDocument/2006/relationships">
   <p:cSld>
     <p:spTree>
       <p:nvGrpSpPr>
@@ -2987,10 +2987,10 @@
           <a:lstStyle/>
           <a:p>
             <a:r>
-              <a:rPr lang="en-US" dirty="0" smtClean="0"/>
+              <a:rPr dirty="0" lang="en-US" smtClean="0"/>
               <a:t>h1</a:t>
             </a:r>
-            <a:endParaRPr lang="en-US" dirty="0"/>
+            <a:endParaRPr dirty="0" lang="en-US"/>
           </a:p>
         </p:txBody>
       </p:sp>
@@ -3001,14 +3001,18 @@
             <a:spLocks noGrp="1"/>
           </p:cNvSpPr>
           <p:nvPr>
-            <p:ph type="subTitle" idx="1"/>
-          </p:nvPr>
-        </p:nvSpPr>
-        <p:spPr/>
-        <p:txBody>
-          <a:bodyPr/>
-          <a:lstStyle/>
-          <a:p>
+            <p:ph idx="1" type="subTitle"/>
+          </p:nvPr>
+        </p:nvSpPr>
+        <p:spPr/>
+        <p:txBody>
+          <a:bodyPr/>
+          <a:lstStyle/>
+          <a:p>
+            <a:r>
+              <a:rPr dirty="0" lang="en-US" smtClean="0"/>
+              <a:t>h1</a:t>
+            </a:r>
             <a:endParaRPr lang="en-US"/>
           </a:p>
         </p:txBody>
@@ -3016,7 +3020,7 @@
     </p:spTree>
     <p:extLst>
       <p:ext uri="{BB962C8B-B14F-4D97-AF65-F5344CB8AC3E}">
-        <p14:creationId xmlns:p14="http://schemas.microsoft.com/office/powerpoint/2010/main" val="1904533867"/>
+        <creationId val="1904533867"/>
       </p:ext>
     </p:extLst>
   </p:cSld>
